--- a/99.ppt/[Ch4-2. 동기 서비스 구현 (Spring MVC)].pptx
+++ b/99.ppt/[Ch4-2. 동기 서비스 구현 (Spring MVC)].pptx
@@ -5,14 +5,18 @@
     <p:sldMasterId id="2147483665" r:id="rId1"/>
   </p:sldMasterIdLst>
   <p:notesMasterIdLst>
-    <p:notesMasterId r:id="rId7"/>
+    <p:notesMasterId r:id="rId11"/>
   </p:notesMasterIdLst>
   <p:sldIdLst>
     <p:sldId id="256" r:id="rId2"/>
     <p:sldId id="258" r:id="rId3"/>
-    <p:sldId id="259" r:id="rId4"/>
-    <p:sldId id="260" r:id="rId5"/>
-    <p:sldId id="261" r:id="rId6"/>
+    <p:sldId id="262" r:id="rId4"/>
+    <p:sldId id="263" r:id="rId5"/>
+    <p:sldId id="264" r:id="rId6"/>
+    <p:sldId id="265" r:id="rId7"/>
+    <p:sldId id="267" r:id="rId8"/>
+    <p:sldId id="268" r:id="rId9"/>
+    <p:sldId id="269" r:id="rId10"/>
   </p:sldIdLst>
   <p:sldSz cx="9144000" cy="5143500" type="screen16x9"/>
   <p:notesSz cx="6858000" cy="9144000"/>
@@ -212,7 +216,7 @@
           <a:p>
             <a:fld id="{9B770909-2C76-4DF9-BB76-4EE283593418}" type="datetimeFigureOut">
               <a:rPr lang="ko-KR" altLang="en-US" smtClean="0"/>
-              <a:t>2023-07-12</a:t>
+              <a:t>2023-07-14</a:t>
             </a:fld>
             <a:endParaRPr lang="ko-KR" altLang="en-US"/>
           </a:p>
@@ -554,6 +558,1082 @@
     <p:extLst>
       <p:ext uri="{BB962C8B-B14F-4D97-AF65-F5344CB8AC3E}">
         <p14:creationId xmlns:p14="http://schemas.microsoft.com/office/powerpoint/2010/main" val="1559666580"/>
+      </p:ext>
+    </p:extLst>
+  </p:cSld>
+  <p:clrMapOvr>
+    <a:masterClrMapping/>
+  </p:clrMapOvr>
+</p:notes>
+</file>
+
+<file path=ppt/notesSlides/notesSlide2.xml><?xml version="1.0" encoding="utf-8"?>
+<p:notes xmlns:a="http://schemas.openxmlformats.org/drawingml/2006/main" xmlns:r="http://schemas.openxmlformats.org/officeDocument/2006/relationships" xmlns:p="http://schemas.openxmlformats.org/presentationml/2006/main">
+  <p:cSld>
+    <p:spTree>
+      <p:nvGrpSpPr>
+        <p:cNvPr id="1" name=""/>
+        <p:cNvGrpSpPr/>
+        <p:nvPr/>
+      </p:nvGrpSpPr>
+      <p:grpSpPr>
+        <a:xfrm>
+          <a:off x="0" y="0"/>
+          <a:ext cx="0" cy="0"/>
+          <a:chOff x="0" y="0"/>
+          <a:chExt cx="0" cy="0"/>
+        </a:xfrm>
+      </p:grpSpPr>
+      <p:sp>
+        <p:nvSpPr>
+          <p:cNvPr id="2" name="슬라이드 이미지 개체 틀 1"/>
+          <p:cNvSpPr>
+            <a:spLocks noGrp="1" noRot="1" noChangeAspect="1"/>
+          </p:cNvSpPr>
+          <p:nvPr>
+            <p:ph type="sldImg"/>
+          </p:nvPr>
+        </p:nvSpPr>
+        <p:spPr/>
+      </p:sp>
+      <p:sp>
+        <p:nvSpPr>
+          <p:cNvPr id="3" name="슬라이드 노트 개체 틀 2"/>
+          <p:cNvSpPr>
+            <a:spLocks noGrp="1"/>
+          </p:cNvSpPr>
+          <p:nvPr>
+            <p:ph type="body" idx="1"/>
+          </p:nvPr>
+        </p:nvSpPr>
+        <p:spPr/>
+        <p:txBody>
+          <a:bodyPr/>
+          <a:lstStyle/>
+          <a:p>
+            <a:r>
+              <a:rPr lang="en-US" altLang="ko-KR" dirty="0"/>
+              <a:t>Spring </a:t>
+            </a:r>
+            <a:r>
+              <a:rPr lang="ko-KR" altLang="en-US" dirty="0"/>
+              <a:t>프레임워크는 </a:t>
+            </a:r>
+            <a:r>
+              <a:rPr lang="en-US" altLang="ko-KR" dirty="0"/>
+              <a:t>Java</a:t>
+            </a:r>
+            <a:r>
+              <a:rPr lang="ko-KR" altLang="en-US" dirty="0"/>
+              <a:t>용 오픈소스 프레임워크로 </a:t>
+            </a:r>
+            <a:r>
+              <a:rPr lang="en-US" altLang="ko-KR" dirty="0"/>
+              <a:t>Rob </a:t>
+            </a:r>
+            <a:r>
+              <a:rPr lang="en-US" altLang="ko-KR" dirty="0" err="1"/>
+              <a:t>johnson</a:t>
+            </a:r>
+            <a:r>
+              <a:rPr lang="ko-KR" altLang="en-US" dirty="0"/>
+              <a:t>에 의해 </a:t>
+            </a:r>
+            <a:r>
+              <a:rPr lang="en-US" altLang="ko-KR" dirty="0"/>
+              <a:t>2003.6 </a:t>
+            </a:r>
+            <a:r>
+              <a:rPr lang="ko-KR" altLang="en-US" dirty="0"/>
+              <a:t>처음 공식 </a:t>
+            </a:r>
+            <a:r>
+              <a:rPr lang="en-US" altLang="ko-KR" dirty="0"/>
+              <a:t>release </a:t>
+            </a:r>
+            <a:r>
+              <a:rPr lang="ko-KR" altLang="en-US" dirty="0"/>
+              <a:t>됬습니다</a:t>
+            </a:r>
+            <a:r>
+              <a:rPr lang="en-US" altLang="ko-KR" dirty="0"/>
+              <a:t>.</a:t>
+            </a:r>
+          </a:p>
+          <a:p>
+            <a:endParaRPr lang="en-US" altLang="ko-KR" dirty="0"/>
+          </a:p>
+          <a:p>
+            <a:r>
+              <a:rPr lang="en-US" altLang="ko-KR" dirty="0"/>
+              <a:t>Spring</a:t>
+            </a:r>
+            <a:r>
+              <a:rPr lang="ko-KR" altLang="en-US" dirty="0"/>
+              <a:t>이 발표되기 전 </a:t>
+            </a:r>
+            <a:r>
+              <a:rPr lang="en-US" altLang="ko-KR" dirty="0"/>
+              <a:t>Java </a:t>
+            </a:r>
+            <a:r>
+              <a:rPr lang="ko-KR" altLang="en-US" dirty="0" err="1"/>
+              <a:t>백엔드</a:t>
+            </a:r>
+            <a:r>
+              <a:rPr lang="ko-KR" altLang="en-US" dirty="0"/>
+              <a:t> 생태계는</a:t>
+            </a:r>
+            <a:endParaRPr lang="en-US" altLang="ko-KR" dirty="0"/>
+          </a:p>
+          <a:p>
+            <a:r>
+              <a:rPr lang="en-US" altLang="ko-KR" dirty="0"/>
+              <a:t>Java Enterprise Edition </a:t>
+            </a:r>
+            <a:r>
+              <a:rPr lang="ko-KR" altLang="en-US" dirty="0"/>
+              <a:t>이하 </a:t>
+            </a:r>
+            <a:r>
+              <a:rPr lang="en-US" altLang="ko-KR" dirty="0"/>
+              <a:t>J2EE </a:t>
+            </a:r>
+            <a:r>
+              <a:rPr lang="ko-KR" altLang="en-US" dirty="0"/>
+              <a:t>라는 표준 스펙이 시장의 방향성을 결정하고</a:t>
+            </a:r>
+            <a:endParaRPr lang="en-US" altLang="ko-KR" dirty="0"/>
+          </a:p>
+          <a:p>
+            <a:r>
+              <a:rPr lang="ko-KR" altLang="en-US" dirty="0"/>
+              <a:t>여러 벤더사가 이 </a:t>
+            </a:r>
+            <a:r>
+              <a:rPr lang="ko-KR" altLang="en-US" dirty="0" err="1"/>
+              <a:t>표준스펙에</a:t>
+            </a:r>
+            <a:r>
+              <a:rPr lang="ko-KR" altLang="en-US" dirty="0"/>
+              <a:t> 맞춰 제품을 내놓고 있었는데요</a:t>
+            </a:r>
+            <a:endParaRPr lang="en-US" altLang="ko-KR" dirty="0"/>
+          </a:p>
+          <a:p>
+            <a:endParaRPr lang="en-US" altLang="ko-KR" dirty="0"/>
+          </a:p>
+          <a:p>
+            <a:r>
+              <a:rPr lang="en-US" altLang="ko-KR" dirty="0"/>
+              <a:t>WAS</a:t>
+            </a:r>
+            <a:r>
+              <a:rPr lang="ko-KR" altLang="en-US" dirty="0"/>
+              <a:t>도 </a:t>
+            </a:r>
+            <a:r>
+              <a:rPr lang="en-US" altLang="ko-KR" dirty="0"/>
+              <a:t>J2EE </a:t>
+            </a:r>
+            <a:r>
+              <a:rPr lang="ko-KR" altLang="en-US" dirty="0"/>
+              <a:t>표준 스펙에 맞춰 구현된 제품이고요</a:t>
+            </a:r>
+            <a:r>
+              <a:rPr lang="en-US" altLang="ko-KR" dirty="0"/>
+              <a:t>.</a:t>
+            </a:r>
+          </a:p>
+          <a:p>
+            <a:r>
+              <a:rPr lang="ko-KR" altLang="en-US" dirty="0"/>
+              <a:t>여러분들이 한 </a:t>
+            </a:r>
+            <a:r>
+              <a:rPr lang="ko-KR" altLang="en-US" dirty="0" err="1"/>
+              <a:t>번쯤은</a:t>
+            </a:r>
+            <a:r>
+              <a:rPr lang="ko-KR" altLang="en-US" dirty="0"/>
+              <a:t> </a:t>
+            </a:r>
+            <a:r>
+              <a:rPr lang="ko-KR" altLang="en-US" dirty="0" err="1"/>
+              <a:t>들어보셨을</a:t>
+            </a:r>
+            <a:r>
+              <a:rPr lang="ko-KR" altLang="en-US" dirty="0"/>
+              <a:t> </a:t>
+            </a:r>
+            <a:r>
+              <a:rPr lang="en-US" altLang="ko-KR" dirty="0"/>
+              <a:t>Enterprise Java Bean, EJB</a:t>
+            </a:r>
+            <a:r>
+              <a:rPr lang="ko-KR" altLang="en-US" dirty="0"/>
+              <a:t>도 대표적인 </a:t>
+            </a:r>
+            <a:r>
+              <a:rPr lang="en-US" altLang="ko-KR" dirty="0"/>
+              <a:t>J2EE </a:t>
+            </a:r>
+            <a:r>
+              <a:rPr lang="ko-KR" altLang="en-US" dirty="0"/>
+              <a:t>구현체입니다</a:t>
+            </a:r>
+            <a:r>
+              <a:rPr lang="en-US" altLang="ko-KR" dirty="0"/>
+              <a:t>.</a:t>
+            </a:r>
+          </a:p>
+          <a:p>
+            <a:endParaRPr lang="en-US" altLang="ko-KR" dirty="0"/>
+          </a:p>
+          <a:p>
+            <a:r>
+              <a:rPr lang="en-US" altLang="ko-KR" dirty="0"/>
+              <a:t>J2EE</a:t>
+            </a:r>
+            <a:r>
+              <a:rPr lang="ko-KR" altLang="en-US" dirty="0"/>
+              <a:t>는 원격 통신이나 분산 </a:t>
+            </a:r>
+            <a:r>
+              <a:rPr lang="ko-KR" altLang="en-US" dirty="0" err="1"/>
+              <a:t>트렌젝션</a:t>
+            </a:r>
+            <a:r>
+              <a:rPr lang="ko-KR" altLang="en-US" dirty="0"/>
+              <a:t> 등 복잡한 기능을 은닉시키고 개발자가 비즈니스 로직 개발에만 집중할 수 있도록 하는 게 목표였습니다</a:t>
+            </a:r>
+            <a:r>
+              <a:rPr lang="en-US" altLang="ko-KR" dirty="0"/>
+              <a:t>.</a:t>
+            </a:r>
+          </a:p>
+          <a:p>
+            <a:endParaRPr lang="en-US" altLang="ko-KR" dirty="0"/>
+          </a:p>
+          <a:p>
+            <a:r>
+              <a:rPr lang="ko-KR" altLang="en-US" dirty="0"/>
+              <a:t>그런데 </a:t>
+            </a:r>
+            <a:r>
+              <a:rPr lang="ko-KR" altLang="en-US" dirty="0" err="1"/>
+              <a:t>시험볼</a:t>
+            </a:r>
+            <a:r>
+              <a:rPr lang="ko-KR" altLang="en-US" dirty="0"/>
+              <a:t> 때 제일 </a:t>
+            </a:r>
+            <a:r>
+              <a:rPr lang="ko-KR" altLang="en-US" dirty="0" err="1"/>
+              <a:t>어려운게</a:t>
+            </a:r>
+            <a:r>
+              <a:rPr lang="en-US" altLang="ko-KR" dirty="0"/>
+              <a:t>, </a:t>
+            </a:r>
+            <a:r>
+              <a:rPr lang="ko-KR" altLang="en-US" dirty="0"/>
+              <a:t>빈 칸 </a:t>
+            </a:r>
+            <a:r>
+              <a:rPr lang="ko-KR" altLang="en-US" dirty="0" err="1"/>
+              <a:t>채우기거든요</a:t>
+            </a:r>
+            <a:r>
+              <a:rPr lang="en-US" altLang="ko-KR" dirty="0"/>
+              <a:t>.</a:t>
+            </a:r>
+          </a:p>
+          <a:p>
+            <a:endParaRPr lang="en-US" altLang="ko-KR" dirty="0"/>
+          </a:p>
+          <a:p>
+            <a:r>
+              <a:rPr lang="ko-KR" altLang="en-US" dirty="0"/>
+              <a:t>비즈니스 월드의 모든 문제를 내가 해결해내겠어 </a:t>
+            </a:r>
+            <a:r>
+              <a:rPr lang="en-US" altLang="ko-KR" dirty="0"/>
+              <a:t>! </a:t>
+            </a:r>
+            <a:r>
+              <a:rPr lang="ko-KR" altLang="en-US" dirty="0"/>
+              <a:t>라는 과한 사명감으로</a:t>
+            </a:r>
+            <a:endParaRPr lang="en-US" altLang="ko-KR" dirty="0"/>
+          </a:p>
+          <a:p>
+            <a:r>
+              <a:rPr lang="ko-KR" altLang="en-US" dirty="0"/>
+              <a:t>스펙이 너무 </a:t>
+            </a:r>
+            <a:r>
+              <a:rPr lang="ko-KR" altLang="en-US" dirty="0" err="1"/>
+              <a:t>과해졌어요</a:t>
+            </a:r>
+            <a:r>
+              <a:rPr lang="en-US" altLang="ko-KR" dirty="0"/>
+              <a:t>.</a:t>
+            </a:r>
+          </a:p>
+          <a:p>
+            <a:endParaRPr lang="en-US" altLang="ko-KR" dirty="0"/>
+          </a:p>
+          <a:p>
+            <a:r>
+              <a:rPr lang="ko-KR" altLang="en-US" dirty="0"/>
+              <a:t>개발자는 채울 빈 칸이 너무 많아졌고요</a:t>
+            </a:r>
+            <a:r>
+              <a:rPr lang="en-US" altLang="ko-KR" dirty="0"/>
+              <a:t>.</a:t>
+            </a:r>
+          </a:p>
+          <a:p>
+            <a:endParaRPr lang="en-US" altLang="ko-KR" dirty="0"/>
+          </a:p>
+          <a:p>
+            <a:r>
+              <a:rPr lang="ko-KR" altLang="en-US" dirty="0"/>
+              <a:t>특정 인터페이스를 구현하거나 상속받아야 할 내용들이 너무 많아져서</a:t>
+            </a:r>
+            <a:endParaRPr lang="en-US" altLang="ko-KR" dirty="0"/>
+          </a:p>
+          <a:p>
+            <a:r>
+              <a:rPr lang="ko-KR" altLang="en-US" dirty="0"/>
+              <a:t>내가 뭘 </a:t>
+            </a:r>
+            <a:r>
+              <a:rPr lang="ko-KR" altLang="en-US" dirty="0" err="1"/>
+              <a:t>하는건지</a:t>
+            </a:r>
+            <a:r>
+              <a:rPr lang="ko-KR" altLang="en-US" dirty="0"/>
+              <a:t> </a:t>
+            </a:r>
+            <a:r>
+              <a:rPr lang="en-US" altLang="ko-KR" dirty="0"/>
+              <a:t>… </a:t>
+            </a:r>
+            <a:r>
+              <a:rPr lang="ko-KR" altLang="en-US" dirty="0" err="1"/>
+              <a:t>아니러니하게</a:t>
+            </a:r>
+            <a:r>
+              <a:rPr lang="ko-KR" altLang="en-US" dirty="0"/>
+              <a:t> </a:t>
+            </a:r>
+            <a:r>
+              <a:rPr lang="en-US" altLang="ko-KR" dirty="0"/>
+              <a:t>EJB</a:t>
+            </a:r>
+            <a:r>
+              <a:rPr lang="ko-KR" altLang="en-US" dirty="0"/>
+              <a:t> 스펙에 빠져 비즈니스 로직이 잘 보이질 않았습니다</a:t>
+            </a:r>
+            <a:r>
+              <a:rPr lang="en-US" altLang="ko-KR" dirty="0"/>
+              <a:t>.</a:t>
+            </a:r>
+          </a:p>
+          <a:p>
+            <a:endParaRPr lang="en-US" altLang="ko-KR" dirty="0"/>
+          </a:p>
+          <a:p>
+            <a:r>
+              <a:rPr lang="ko-KR" altLang="en-US" dirty="0"/>
+              <a:t>그리고 컴파일이 </a:t>
+            </a:r>
+            <a:r>
+              <a:rPr lang="en-US" altLang="ko-KR" dirty="0"/>
+              <a:t>30</a:t>
+            </a:r>
+            <a:r>
+              <a:rPr lang="ko-KR" altLang="en-US" dirty="0"/>
+              <a:t>분이 걸리거나</a:t>
+            </a:r>
+            <a:r>
+              <a:rPr lang="en-US" altLang="ko-KR" dirty="0"/>
+              <a:t>, </a:t>
+            </a:r>
+            <a:r>
+              <a:rPr lang="ko-KR" altLang="en-US" dirty="0"/>
+              <a:t>서버 기동에 </a:t>
+            </a:r>
+            <a:r>
+              <a:rPr lang="en-US" altLang="ko-KR" dirty="0"/>
+              <a:t>20</a:t>
+            </a:r>
+            <a:r>
+              <a:rPr lang="ko-KR" altLang="en-US" dirty="0"/>
+              <a:t>분이 소요되는 등 현장에서는 엄청난 비효율이 벌어지고 있었고요</a:t>
+            </a:r>
+            <a:r>
+              <a:rPr lang="en-US" altLang="ko-KR" dirty="0"/>
+              <a:t>.</a:t>
+            </a:r>
+          </a:p>
+          <a:p>
+            <a:endParaRPr lang="en-US" altLang="ko-KR" dirty="0"/>
+          </a:p>
+          <a:p>
+            <a:r>
+              <a:rPr lang="en-US" altLang="ko-KR" dirty="0"/>
+              <a:t>Spring</a:t>
+            </a:r>
+            <a:r>
+              <a:rPr lang="ko-KR" altLang="en-US" dirty="0"/>
+              <a:t>의 </a:t>
+            </a:r>
+            <a:r>
+              <a:rPr lang="en-US" altLang="ko-KR" dirty="0"/>
+              <a:t>POJO, </a:t>
+            </a:r>
+            <a:r>
+              <a:rPr lang="ko-KR" altLang="en-US" dirty="0"/>
+              <a:t>아무 것도 상속받지 않은 일반 </a:t>
+            </a:r>
+            <a:r>
+              <a:rPr lang="en-US" altLang="ko-KR" dirty="0"/>
+              <a:t>Java</a:t>
+            </a:r>
+            <a:r>
+              <a:rPr lang="ko-KR" altLang="en-US" dirty="0"/>
+              <a:t>객체라는 캐치프레이즈는 그래서 울림이 대단했습니다</a:t>
+            </a:r>
+            <a:r>
+              <a:rPr lang="en-US" altLang="ko-KR" dirty="0"/>
+              <a:t>.</a:t>
+            </a:r>
+          </a:p>
+          <a:p>
+            <a:endParaRPr lang="en-US" altLang="ko-KR" dirty="0"/>
+          </a:p>
+          <a:p>
+            <a:r>
+              <a:rPr lang="ko-KR" altLang="en-US" dirty="0" err="1"/>
+              <a:t>트렌젝션</a:t>
+            </a:r>
+            <a:r>
+              <a:rPr lang="en-US" altLang="ko-KR" dirty="0"/>
+              <a:t>, </a:t>
+            </a:r>
+            <a:r>
+              <a:rPr lang="ko-KR" altLang="en-US" dirty="0"/>
+              <a:t>로깅</a:t>
+            </a:r>
+            <a:r>
+              <a:rPr lang="en-US" altLang="ko-KR" dirty="0"/>
+              <a:t>, </a:t>
+            </a:r>
+            <a:r>
+              <a:rPr lang="ko-KR" altLang="en-US" dirty="0"/>
+              <a:t>보안 등 </a:t>
+            </a:r>
+            <a:r>
+              <a:rPr lang="en-US" altLang="ko-KR" dirty="0"/>
+              <a:t>J2EE</a:t>
+            </a:r>
+            <a:r>
+              <a:rPr lang="ko-KR" altLang="en-US" dirty="0"/>
+              <a:t>가 디자인패턴으로 과하게 집착했던 기능들은 </a:t>
+            </a:r>
+            <a:r>
+              <a:rPr lang="en-US" altLang="ko-KR" dirty="0"/>
+              <a:t>AOP</a:t>
+            </a:r>
+            <a:r>
+              <a:rPr lang="ko-KR" altLang="en-US" dirty="0"/>
+              <a:t>로 깔끔하게 비즈니스 로직에서 분리되었고</a:t>
+            </a:r>
+            <a:endParaRPr lang="en-US" altLang="ko-KR" dirty="0"/>
+          </a:p>
+          <a:p>
+            <a:endParaRPr lang="en-US" altLang="ko-KR" dirty="0"/>
+          </a:p>
+          <a:p>
+            <a:r>
+              <a:rPr lang="ko-KR" altLang="en-US" dirty="0"/>
+              <a:t>각종 </a:t>
+            </a:r>
+            <a:r>
+              <a:rPr lang="en-US" altLang="ko-KR" dirty="0"/>
+              <a:t>DB persist</a:t>
+            </a:r>
+            <a:r>
+              <a:rPr lang="ko-KR" altLang="en-US" dirty="0"/>
+              <a:t>단은 </a:t>
+            </a:r>
+            <a:r>
+              <a:rPr lang="en-US" altLang="ko-KR" dirty="0"/>
+              <a:t>Spring Data</a:t>
+            </a:r>
+            <a:r>
+              <a:rPr lang="ko-KR" altLang="en-US" dirty="0"/>
+              <a:t>란 패턴 하에 손쉽게 전환 가능하도록 프레임워크화 되었습니다</a:t>
+            </a:r>
+            <a:r>
+              <a:rPr lang="en-US" altLang="ko-KR" dirty="0"/>
+              <a:t>.</a:t>
+            </a:r>
+          </a:p>
+          <a:p>
+            <a:endParaRPr lang="en-US" altLang="ko-KR" dirty="0"/>
+          </a:p>
+          <a:p>
+            <a:r>
+              <a:rPr lang="en-US" altLang="ko-KR" dirty="0"/>
+              <a:t>Spring</a:t>
+            </a:r>
+            <a:r>
+              <a:rPr lang="ko-KR" altLang="en-US" dirty="0"/>
+              <a:t>도 </a:t>
+            </a:r>
+            <a:r>
+              <a:rPr lang="en-US" altLang="ko-KR" dirty="0"/>
+              <a:t>EJB</a:t>
+            </a:r>
+            <a:r>
+              <a:rPr lang="ko-KR" altLang="en-US" dirty="0"/>
+              <a:t>처럼 </a:t>
+            </a:r>
+            <a:r>
+              <a:rPr lang="en-US" altLang="ko-KR" dirty="0"/>
+              <a:t>Controller</a:t>
+            </a:r>
+            <a:r>
+              <a:rPr lang="ko-KR" altLang="en-US" dirty="0"/>
+              <a:t>나 </a:t>
+            </a:r>
+            <a:r>
+              <a:rPr lang="en-US" altLang="ko-KR" dirty="0"/>
+              <a:t>Service</a:t>
+            </a:r>
+            <a:r>
+              <a:rPr lang="ko-KR" altLang="en-US" dirty="0"/>
+              <a:t> </a:t>
+            </a:r>
+            <a:r>
+              <a:rPr lang="en-US" altLang="ko-KR" dirty="0"/>
+              <a:t>Bean</a:t>
+            </a:r>
+            <a:r>
+              <a:rPr lang="ko-KR" altLang="en-US" dirty="0"/>
+              <a:t>들이 메모리에 상주하는 구조인데요</a:t>
+            </a:r>
+            <a:r>
+              <a:rPr lang="en-US" altLang="ko-KR" dirty="0"/>
+              <a:t>.</a:t>
+            </a:r>
+          </a:p>
+          <a:p>
+            <a:r>
+              <a:rPr lang="en-US" altLang="ko-KR" dirty="0"/>
+              <a:t>EJB</a:t>
+            </a:r>
+            <a:r>
+              <a:rPr lang="ko-KR" altLang="en-US" dirty="0"/>
+              <a:t>처럼 이를 설정파일로 정의해 관리하고 있었습니다</a:t>
+            </a:r>
+            <a:r>
+              <a:rPr lang="en-US" altLang="ko-KR" dirty="0"/>
+              <a:t>. </a:t>
+            </a:r>
+            <a:r>
+              <a:rPr lang="ko-KR" altLang="en-US" dirty="0"/>
+              <a:t>물론 </a:t>
+            </a:r>
+            <a:r>
+              <a:rPr lang="en-US" altLang="ko-KR" dirty="0"/>
+              <a:t>EJB</a:t>
+            </a:r>
+            <a:r>
+              <a:rPr lang="ko-KR" altLang="en-US" dirty="0"/>
+              <a:t>와 비교할 수 없을 정도로 간단하긴 </a:t>
+            </a:r>
+            <a:r>
+              <a:rPr lang="ko-KR" altLang="en-US" dirty="0" err="1"/>
+              <a:t>했지만요</a:t>
+            </a:r>
+            <a:r>
+              <a:rPr lang="en-US" altLang="ko-KR" dirty="0"/>
+              <a:t>.</a:t>
+            </a:r>
+          </a:p>
+          <a:p>
+            <a:endParaRPr lang="en-US" altLang="ko-KR" dirty="0"/>
+          </a:p>
+          <a:p>
+            <a:r>
+              <a:rPr lang="ko-KR" altLang="en-US" dirty="0"/>
+              <a:t>그러나 설정보단 관습이라는 구호 아래</a:t>
+            </a:r>
+            <a:r>
+              <a:rPr lang="en-US" altLang="ko-KR" dirty="0"/>
+              <a:t>, </a:t>
+            </a:r>
+            <a:r>
+              <a:rPr lang="ko-KR" altLang="en-US" dirty="0"/>
+              <a:t>이런 설정을 모두 생략하고 모두 </a:t>
+            </a:r>
+            <a:r>
+              <a:rPr lang="en-US" altLang="ko-KR" dirty="0"/>
+              <a:t>annotation</a:t>
+            </a:r>
+            <a:r>
+              <a:rPr lang="ko-KR" altLang="en-US" dirty="0"/>
+              <a:t>을 통해 자동으로 서버가 </a:t>
+            </a:r>
+            <a:r>
+              <a:rPr lang="ko-KR" altLang="en-US" dirty="0" err="1"/>
+              <a:t>기동되도록</a:t>
+            </a:r>
+            <a:r>
+              <a:rPr lang="ko-KR" altLang="en-US" dirty="0"/>
+              <a:t> 변경했습니다</a:t>
+            </a:r>
+            <a:r>
+              <a:rPr lang="en-US" altLang="ko-KR" dirty="0"/>
+              <a:t>.</a:t>
+            </a:r>
+          </a:p>
+          <a:p>
+            <a:r>
+              <a:rPr lang="ko-KR" altLang="en-US" dirty="0"/>
+              <a:t>여러분들이 잘 아시는 </a:t>
+            </a:r>
+            <a:r>
+              <a:rPr lang="en-US" altLang="ko-KR" dirty="0"/>
+              <a:t>Spring boot </a:t>
+            </a:r>
+            <a:r>
+              <a:rPr lang="ko-KR" altLang="en-US" dirty="0"/>
+              <a:t>의 탄생입니다</a:t>
+            </a:r>
+            <a:r>
+              <a:rPr lang="en-US" altLang="ko-KR" dirty="0"/>
+              <a:t>.</a:t>
+            </a:r>
+          </a:p>
+        </p:txBody>
+      </p:sp>
+      <p:sp>
+        <p:nvSpPr>
+          <p:cNvPr id="4" name="슬라이드 번호 개체 틀 3"/>
+          <p:cNvSpPr>
+            <a:spLocks noGrp="1"/>
+          </p:cNvSpPr>
+          <p:nvPr>
+            <p:ph type="sldNum" sz="quarter" idx="5"/>
+          </p:nvPr>
+        </p:nvSpPr>
+        <p:spPr/>
+        <p:txBody>
+          <a:bodyPr/>
+          <a:lstStyle/>
+          <a:p>
+            <a:fld id="{4F243B46-72FF-4656-838A-691B9EB329E3}" type="slidenum">
+              <a:rPr lang="ko-KR" altLang="en-US" smtClean="0"/>
+              <a:t>2</a:t>
+            </a:fld>
+            <a:endParaRPr lang="ko-KR" altLang="en-US"/>
+          </a:p>
+        </p:txBody>
+      </p:sp>
+    </p:spTree>
+    <p:extLst>
+      <p:ext uri="{BB962C8B-B14F-4D97-AF65-F5344CB8AC3E}">
+        <p14:creationId xmlns:p14="http://schemas.microsoft.com/office/powerpoint/2010/main" val="3409483807"/>
+      </p:ext>
+    </p:extLst>
+  </p:cSld>
+  <p:clrMapOvr>
+    <a:masterClrMapping/>
+  </p:clrMapOvr>
+</p:notes>
+</file>
+
+<file path=ppt/notesSlides/notesSlide3.xml><?xml version="1.0" encoding="utf-8"?>
+<p:notes xmlns:a="http://schemas.openxmlformats.org/drawingml/2006/main" xmlns:r="http://schemas.openxmlformats.org/officeDocument/2006/relationships" xmlns:p="http://schemas.openxmlformats.org/presentationml/2006/main">
+  <p:cSld>
+    <p:spTree>
+      <p:nvGrpSpPr>
+        <p:cNvPr id="1" name=""/>
+        <p:cNvGrpSpPr/>
+        <p:nvPr/>
+      </p:nvGrpSpPr>
+      <p:grpSpPr>
+        <a:xfrm>
+          <a:off x="0" y="0"/>
+          <a:ext cx="0" cy="0"/>
+          <a:chOff x="0" y="0"/>
+          <a:chExt cx="0" cy="0"/>
+        </a:xfrm>
+      </p:grpSpPr>
+      <p:sp>
+        <p:nvSpPr>
+          <p:cNvPr id="2" name="슬라이드 이미지 개체 틀 1"/>
+          <p:cNvSpPr>
+            <a:spLocks noGrp="1" noRot="1" noChangeAspect="1"/>
+          </p:cNvSpPr>
+          <p:nvPr>
+            <p:ph type="sldImg"/>
+          </p:nvPr>
+        </p:nvSpPr>
+        <p:spPr/>
+      </p:sp>
+      <p:sp>
+        <p:nvSpPr>
+          <p:cNvPr id="3" name="슬라이드 노트 개체 틀 2"/>
+          <p:cNvSpPr>
+            <a:spLocks noGrp="1"/>
+          </p:cNvSpPr>
+          <p:nvPr>
+            <p:ph type="body" idx="1"/>
+          </p:nvPr>
+        </p:nvSpPr>
+        <p:spPr/>
+        <p:txBody>
+          <a:bodyPr/>
+          <a:lstStyle/>
+          <a:p>
+            <a:r>
+              <a:rPr lang="ko-KR" altLang="en-US" dirty="0"/>
+              <a:t>지금부터 저희는 복습 차원에서 </a:t>
+            </a:r>
+            <a:r>
+              <a:rPr lang="en-US" altLang="ko-KR" dirty="0"/>
+              <a:t>Spring MVC</a:t>
+            </a:r>
+            <a:r>
+              <a:rPr lang="ko-KR" altLang="en-US" dirty="0"/>
+              <a:t>로 간단한 </a:t>
+            </a:r>
+            <a:r>
+              <a:rPr lang="en-US" altLang="ko-KR" dirty="0"/>
+              <a:t>Article</a:t>
+            </a:r>
+            <a:r>
+              <a:rPr lang="ko-KR" altLang="en-US" dirty="0"/>
+              <a:t>을 </a:t>
+            </a:r>
+            <a:r>
+              <a:rPr lang="en-US" altLang="ko-KR" dirty="0"/>
+              <a:t>CRUD </a:t>
+            </a:r>
+            <a:r>
+              <a:rPr lang="ko-KR" altLang="en-US" dirty="0"/>
+              <a:t>하는 </a:t>
+            </a:r>
+            <a:r>
+              <a:rPr lang="en-US" altLang="ko-KR" dirty="0"/>
+              <a:t>API </a:t>
+            </a:r>
+            <a:r>
+              <a:rPr lang="ko-KR" altLang="en-US" dirty="0"/>
+              <a:t>서버를 만들어 보겠습니다</a:t>
+            </a:r>
+            <a:r>
+              <a:rPr lang="en-US" altLang="ko-KR" dirty="0"/>
+              <a:t>.</a:t>
+            </a:r>
+          </a:p>
+          <a:p>
+            <a:endParaRPr lang="en-US" altLang="ko-KR" dirty="0"/>
+          </a:p>
+          <a:p>
+            <a:endParaRPr lang="en-US" altLang="ko-KR" dirty="0"/>
+          </a:p>
+          <a:p>
+            <a:endParaRPr lang="en-US" altLang="ko-KR" dirty="0"/>
+          </a:p>
+        </p:txBody>
+      </p:sp>
+      <p:sp>
+        <p:nvSpPr>
+          <p:cNvPr id="4" name="슬라이드 번호 개체 틀 3"/>
+          <p:cNvSpPr>
+            <a:spLocks noGrp="1"/>
+          </p:cNvSpPr>
+          <p:nvPr>
+            <p:ph type="sldNum" sz="quarter" idx="5"/>
+          </p:nvPr>
+        </p:nvSpPr>
+        <p:spPr/>
+        <p:txBody>
+          <a:bodyPr/>
+          <a:lstStyle/>
+          <a:p>
+            <a:fld id="{4F243B46-72FF-4656-838A-691B9EB329E3}" type="slidenum">
+              <a:rPr lang="ko-KR" altLang="en-US" smtClean="0"/>
+              <a:t>3</a:t>
+            </a:fld>
+            <a:endParaRPr lang="ko-KR" altLang="en-US"/>
+          </a:p>
+        </p:txBody>
+      </p:sp>
+    </p:spTree>
+    <p:extLst>
+      <p:ext uri="{BB962C8B-B14F-4D97-AF65-F5344CB8AC3E}">
+        <p14:creationId xmlns:p14="http://schemas.microsoft.com/office/powerpoint/2010/main" val="1978714165"/>
+      </p:ext>
+    </p:extLst>
+  </p:cSld>
+  <p:clrMapOvr>
+    <a:masterClrMapping/>
+  </p:clrMapOvr>
+</p:notes>
+</file>
+
+<file path=ppt/notesSlides/notesSlide4.xml><?xml version="1.0" encoding="utf-8"?>
+<p:notes xmlns:a="http://schemas.openxmlformats.org/drawingml/2006/main" xmlns:r="http://schemas.openxmlformats.org/officeDocument/2006/relationships" xmlns:p="http://schemas.openxmlformats.org/presentationml/2006/main">
+  <p:cSld>
+    <p:spTree>
+      <p:nvGrpSpPr>
+        <p:cNvPr id="1" name=""/>
+        <p:cNvGrpSpPr/>
+        <p:nvPr/>
+      </p:nvGrpSpPr>
+      <p:grpSpPr>
+        <a:xfrm>
+          <a:off x="0" y="0"/>
+          <a:ext cx="0" cy="0"/>
+          <a:chOff x="0" y="0"/>
+          <a:chExt cx="0" cy="0"/>
+        </a:xfrm>
+      </p:grpSpPr>
+      <p:sp>
+        <p:nvSpPr>
+          <p:cNvPr id="2" name="슬라이드 이미지 개체 틀 1"/>
+          <p:cNvSpPr>
+            <a:spLocks noGrp="1" noRot="1" noChangeAspect="1"/>
+          </p:cNvSpPr>
+          <p:nvPr>
+            <p:ph type="sldImg"/>
+          </p:nvPr>
+        </p:nvSpPr>
+        <p:spPr/>
+      </p:sp>
+      <p:sp>
+        <p:nvSpPr>
+          <p:cNvPr id="3" name="슬라이드 노트 개체 틀 2"/>
+          <p:cNvSpPr>
+            <a:spLocks noGrp="1"/>
+          </p:cNvSpPr>
+          <p:nvPr>
+            <p:ph type="body" idx="1"/>
+          </p:nvPr>
+        </p:nvSpPr>
+        <p:spPr/>
+        <p:txBody>
+          <a:bodyPr/>
+          <a:lstStyle/>
+          <a:p>
+            <a:endParaRPr lang="en-US" altLang="ko-KR" dirty="0"/>
+          </a:p>
+        </p:txBody>
+      </p:sp>
+      <p:sp>
+        <p:nvSpPr>
+          <p:cNvPr id="4" name="슬라이드 번호 개체 틀 3"/>
+          <p:cNvSpPr>
+            <a:spLocks noGrp="1"/>
+          </p:cNvSpPr>
+          <p:nvPr>
+            <p:ph type="sldNum" sz="quarter" idx="5"/>
+          </p:nvPr>
+        </p:nvSpPr>
+        <p:spPr/>
+        <p:txBody>
+          <a:bodyPr/>
+          <a:lstStyle/>
+          <a:p>
+            <a:fld id="{4F243B46-72FF-4656-838A-691B9EB329E3}" type="slidenum">
+              <a:rPr lang="ko-KR" altLang="en-US" smtClean="0"/>
+              <a:t>4</a:t>
+            </a:fld>
+            <a:endParaRPr lang="ko-KR" altLang="en-US"/>
+          </a:p>
+        </p:txBody>
+      </p:sp>
+    </p:spTree>
+    <p:extLst>
+      <p:ext uri="{BB962C8B-B14F-4D97-AF65-F5344CB8AC3E}">
+        <p14:creationId xmlns:p14="http://schemas.microsoft.com/office/powerpoint/2010/main" val="679702126"/>
+      </p:ext>
+    </p:extLst>
+  </p:cSld>
+  <p:clrMapOvr>
+    <a:masterClrMapping/>
+  </p:clrMapOvr>
+</p:notes>
+</file>
+
+<file path=ppt/notesSlides/notesSlide5.xml><?xml version="1.0" encoding="utf-8"?>
+<p:notes xmlns:a="http://schemas.openxmlformats.org/drawingml/2006/main" xmlns:r="http://schemas.openxmlformats.org/officeDocument/2006/relationships" xmlns:p="http://schemas.openxmlformats.org/presentationml/2006/main">
+  <p:cSld>
+    <p:spTree>
+      <p:nvGrpSpPr>
+        <p:cNvPr id="1" name=""/>
+        <p:cNvGrpSpPr/>
+        <p:nvPr/>
+      </p:nvGrpSpPr>
+      <p:grpSpPr>
+        <a:xfrm>
+          <a:off x="0" y="0"/>
+          <a:ext cx="0" cy="0"/>
+          <a:chOff x="0" y="0"/>
+          <a:chExt cx="0" cy="0"/>
+        </a:xfrm>
+      </p:grpSpPr>
+      <p:sp>
+        <p:nvSpPr>
+          <p:cNvPr id="2" name="슬라이드 이미지 개체 틀 1"/>
+          <p:cNvSpPr>
+            <a:spLocks noGrp="1" noRot="1" noChangeAspect="1"/>
+          </p:cNvSpPr>
+          <p:nvPr>
+            <p:ph type="sldImg"/>
+          </p:nvPr>
+        </p:nvSpPr>
+        <p:spPr/>
+      </p:sp>
+      <p:sp>
+        <p:nvSpPr>
+          <p:cNvPr id="3" name="슬라이드 노트 개체 틀 2"/>
+          <p:cNvSpPr>
+            <a:spLocks noGrp="1"/>
+          </p:cNvSpPr>
+          <p:nvPr>
+            <p:ph type="body" idx="1"/>
+          </p:nvPr>
+        </p:nvSpPr>
+        <p:spPr/>
+        <p:txBody>
+          <a:bodyPr/>
+          <a:lstStyle/>
+          <a:p>
+            <a:endParaRPr lang="en-US" altLang="ko-KR" dirty="0"/>
+          </a:p>
+        </p:txBody>
+      </p:sp>
+      <p:sp>
+        <p:nvSpPr>
+          <p:cNvPr id="4" name="슬라이드 번호 개체 틀 3"/>
+          <p:cNvSpPr>
+            <a:spLocks noGrp="1"/>
+          </p:cNvSpPr>
+          <p:nvPr>
+            <p:ph type="sldNum" sz="quarter" idx="5"/>
+          </p:nvPr>
+        </p:nvSpPr>
+        <p:spPr/>
+        <p:txBody>
+          <a:bodyPr/>
+          <a:lstStyle/>
+          <a:p>
+            <a:fld id="{4F243B46-72FF-4656-838A-691B9EB329E3}" type="slidenum">
+              <a:rPr lang="ko-KR" altLang="en-US" smtClean="0"/>
+              <a:t>5</a:t>
+            </a:fld>
+            <a:endParaRPr lang="ko-KR" altLang="en-US"/>
+          </a:p>
+        </p:txBody>
+      </p:sp>
+    </p:spTree>
+    <p:extLst>
+      <p:ext uri="{BB962C8B-B14F-4D97-AF65-F5344CB8AC3E}">
+        <p14:creationId xmlns:p14="http://schemas.microsoft.com/office/powerpoint/2010/main" val="3800460661"/>
+      </p:ext>
+    </p:extLst>
+  </p:cSld>
+  <p:clrMapOvr>
+    <a:masterClrMapping/>
+  </p:clrMapOvr>
+</p:notes>
+</file>
+
+<file path=ppt/notesSlides/notesSlide6.xml><?xml version="1.0" encoding="utf-8"?>
+<p:notes xmlns:a="http://schemas.openxmlformats.org/drawingml/2006/main" xmlns:r="http://schemas.openxmlformats.org/officeDocument/2006/relationships" xmlns:p="http://schemas.openxmlformats.org/presentationml/2006/main">
+  <p:cSld>
+    <p:spTree>
+      <p:nvGrpSpPr>
+        <p:cNvPr id="1" name=""/>
+        <p:cNvGrpSpPr/>
+        <p:nvPr/>
+      </p:nvGrpSpPr>
+      <p:grpSpPr>
+        <a:xfrm>
+          <a:off x="0" y="0"/>
+          <a:ext cx="0" cy="0"/>
+          <a:chOff x="0" y="0"/>
+          <a:chExt cx="0" cy="0"/>
+        </a:xfrm>
+      </p:grpSpPr>
+      <p:sp>
+        <p:nvSpPr>
+          <p:cNvPr id="2" name="슬라이드 이미지 개체 틀 1"/>
+          <p:cNvSpPr>
+            <a:spLocks noGrp="1" noRot="1" noChangeAspect="1"/>
+          </p:cNvSpPr>
+          <p:nvPr>
+            <p:ph type="sldImg"/>
+          </p:nvPr>
+        </p:nvSpPr>
+        <p:spPr/>
+      </p:sp>
+      <p:sp>
+        <p:nvSpPr>
+          <p:cNvPr id="3" name="슬라이드 노트 개체 틀 2"/>
+          <p:cNvSpPr>
+            <a:spLocks noGrp="1"/>
+          </p:cNvSpPr>
+          <p:nvPr>
+            <p:ph type="body" idx="1"/>
+          </p:nvPr>
+        </p:nvSpPr>
+        <p:spPr/>
+        <p:txBody>
+          <a:bodyPr/>
+          <a:lstStyle/>
+          <a:p>
+            <a:endParaRPr lang="ko-KR" altLang="en-US" dirty="0"/>
+          </a:p>
+        </p:txBody>
+      </p:sp>
+      <p:sp>
+        <p:nvSpPr>
+          <p:cNvPr id="4" name="슬라이드 번호 개체 틀 3"/>
+          <p:cNvSpPr>
+            <a:spLocks noGrp="1"/>
+          </p:cNvSpPr>
+          <p:nvPr>
+            <p:ph type="sldNum" sz="quarter" idx="5"/>
+          </p:nvPr>
+        </p:nvSpPr>
+        <p:spPr/>
+        <p:txBody>
+          <a:bodyPr/>
+          <a:lstStyle/>
+          <a:p>
+            <a:fld id="{4F243B46-72FF-4656-838A-691B9EB329E3}" type="slidenum">
+              <a:rPr lang="ko-KR" altLang="en-US" smtClean="0"/>
+              <a:t>6</a:t>
+            </a:fld>
+            <a:endParaRPr lang="ko-KR" altLang="en-US"/>
+          </a:p>
+        </p:txBody>
+      </p:sp>
+    </p:spTree>
+    <p:extLst>
+      <p:ext uri="{BB962C8B-B14F-4D97-AF65-F5344CB8AC3E}">
+        <p14:creationId xmlns:p14="http://schemas.microsoft.com/office/powerpoint/2010/main" val="2672002668"/>
       </p:ext>
     </p:extLst>
   </p:cSld>
@@ -2242,7 +3322,7 @@
           <a:p>
             <a:r>
               <a:rPr lang="ko-KR" altLang="en-US" dirty="0"/>
-              <a:t>구현내용</a:t>
+              <a:t>구현내용 및 개발환경 구성</a:t>
             </a:r>
           </a:p>
         </p:txBody>
@@ -2272,8 +3352,71 @@
               <a:buNone/>
             </a:pPr>
             <a:r>
-              <a:rPr lang="ko-KR" altLang="en-US" b="1" dirty="0"/>
-              <a:t>제목</a:t>
+              <a:rPr lang="en-US" altLang="ko-KR" dirty="0"/>
+              <a:t>Spring MVC</a:t>
+            </a:r>
+          </a:p>
+          <a:p>
+            <a:pPr lvl="1"/>
+            <a:r>
+              <a:rPr lang="en-US" altLang="ko-KR" dirty="0"/>
+              <a:t>Java</a:t>
+            </a:r>
+            <a:r>
+              <a:rPr lang="ko-KR" altLang="en-US" dirty="0"/>
+              <a:t>용 오픈소스 프레임워크 </a:t>
+            </a:r>
+            <a:r>
+              <a:rPr lang="en-US" altLang="ko-KR" dirty="0"/>
+              <a:t>(2003.06 release)</a:t>
+            </a:r>
+          </a:p>
+          <a:p>
+            <a:pPr lvl="1"/>
+            <a:r>
+              <a:rPr lang="en-US" altLang="ko-KR" dirty="0"/>
+              <a:t>J2EE </a:t>
+            </a:r>
+            <a:r>
+              <a:rPr lang="ko-KR" altLang="en-US" dirty="0"/>
+              <a:t>경량 대체제로 큰 인기를 누렸음</a:t>
+            </a:r>
+            <a:endParaRPr lang="en-US" altLang="ko-KR" dirty="0"/>
+          </a:p>
+          <a:p>
+            <a:pPr lvl="2"/>
+            <a:r>
+              <a:rPr lang="en-US" altLang="ko-KR" dirty="0"/>
+              <a:t>POJO</a:t>
+            </a:r>
+          </a:p>
+          <a:p>
+            <a:pPr lvl="2"/>
+            <a:r>
+              <a:rPr lang="en-US" altLang="ko-KR" dirty="0"/>
+              <a:t>AOP</a:t>
+            </a:r>
+          </a:p>
+          <a:p>
+            <a:pPr lvl="2"/>
+            <a:r>
+              <a:rPr lang="en-US" altLang="ko-KR" dirty="0"/>
+              <a:t>Data access framework</a:t>
+            </a:r>
+          </a:p>
+          <a:p>
+            <a:pPr lvl="1"/>
+            <a:r>
+              <a:rPr lang="ko-KR" altLang="en-US" dirty="0"/>
+              <a:t>설정보다 관습</a:t>
+            </a:r>
+            <a:endParaRPr lang="en-US" altLang="ko-KR" dirty="0"/>
+          </a:p>
+          <a:p>
+            <a:pPr lvl="2"/>
+            <a:r>
+              <a:rPr lang="en-US" altLang="ko-KR" dirty="0"/>
+              <a:t>Spring Boot</a:t>
             </a:r>
             <a:endParaRPr lang="ko-KR" altLang="en-US" dirty="0"/>
           </a:p>
@@ -2467,7 +3610,7 @@
           <a:p>
             <a:r>
               <a:rPr lang="ko-KR" altLang="en-US" dirty="0"/>
-              <a:t>구현내용</a:t>
+              <a:t>구현내용 및 개발환경 구성</a:t>
             </a:r>
           </a:p>
         </p:txBody>
@@ -2497,10 +3640,10 @@
               <a:buNone/>
             </a:pPr>
             <a:r>
-              <a:rPr lang="ko-KR" altLang="en-US" b="1" dirty="0"/>
-              <a:t>제목</a:t>
-            </a:r>
-            <a:endParaRPr lang="ko-KR" altLang="en-US" dirty="0"/>
+              <a:rPr lang="ko-KR" altLang="en-US" dirty="0"/>
+              <a:t>구현내용</a:t>
+            </a:r>
+            <a:endParaRPr lang="en-US" altLang="ko-KR" dirty="0"/>
           </a:p>
         </p:txBody>
       </p:sp>
@@ -2639,10 +3782,150 @@
           </a:p>
         </p:txBody>
       </p:sp>
+      <p:sp>
+        <p:nvSpPr>
+          <p:cNvPr id="6" name="TextBox 5">
+            <a:extLst>
+              <a:ext uri="{FF2B5EF4-FFF2-40B4-BE49-F238E27FC236}">
+                <a16:creationId xmlns:a16="http://schemas.microsoft.com/office/drawing/2014/main" id="{A39D204B-5E6E-B41A-E4C9-3CF4ADB9FA39}"/>
+              </a:ext>
+            </a:extLst>
+          </p:cNvPr>
+          <p:cNvSpPr txBox="1"/>
+          <p:nvPr/>
+        </p:nvSpPr>
+        <p:spPr>
+          <a:xfrm>
+            <a:off x="4572000" y="2014406"/>
+            <a:ext cx="609462" cy="415498"/>
+          </a:xfrm>
+          <a:prstGeom prst="rect">
+            <a:avLst/>
+          </a:prstGeom>
+          <a:noFill/>
+        </p:spPr>
+        <p:txBody>
+          <a:bodyPr wrap="none" rtlCol="0">
+            <a:spAutoFit/>
+          </a:bodyPr>
+          <a:lstStyle/>
+          <a:p>
+            <a:r>
+              <a:rPr lang="en-US" altLang="ko-KR" sz="2100" dirty="0">
+                <a:latin typeface="Spoqa Han Sans Neo Medium" pitchFamily="2" charset="-127"/>
+                <a:ea typeface="Spoqa Han Sans Neo Medium" pitchFamily="2" charset="-127"/>
+              </a:rPr>
+              <a:t>API</a:t>
+            </a:r>
+            <a:endParaRPr lang="ko-KR" altLang="en-US" sz="2100" dirty="0">
+              <a:latin typeface="Spoqa Han Sans Neo Medium" pitchFamily="2" charset="-127"/>
+              <a:ea typeface="Spoqa Han Sans Neo Medium" pitchFamily="2" charset="-127"/>
+            </a:endParaRPr>
+          </a:p>
+        </p:txBody>
+      </p:sp>
+      <p:pic>
+        <p:nvPicPr>
+          <p:cNvPr id="10" name="그림 9">
+            <a:extLst>
+              <a:ext uri="{FF2B5EF4-FFF2-40B4-BE49-F238E27FC236}">
+                <a16:creationId xmlns:a16="http://schemas.microsoft.com/office/drawing/2014/main" id="{F89081F6-7C1F-033F-70EB-FE9BF669F526}"/>
+              </a:ext>
+            </a:extLst>
+          </p:cNvPr>
+          <p:cNvPicPr>
+            <a:picLocks noChangeAspect="1"/>
+          </p:cNvPicPr>
+          <p:nvPr/>
+        </p:nvPicPr>
+        <p:blipFill>
+          <a:blip r:embed="rId3"/>
+          <a:stretch>
+            <a:fillRect/>
+          </a:stretch>
+        </p:blipFill>
+        <p:spPr>
+          <a:xfrm>
+            <a:off x="4401063" y="2423854"/>
+            <a:ext cx="4249311" cy="2522318"/>
+          </a:xfrm>
+          <a:prstGeom prst="rect">
+            <a:avLst/>
+          </a:prstGeom>
+        </p:spPr>
+      </p:pic>
+      <p:pic>
+        <p:nvPicPr>
+          <p:cNvPr id="12" name="그림 11">
+            <a:extLst>
+              <a:ext uri="{FF2B5EF4-FFF2-40B4-BE49-F238E27FC236}">
+                <a16:creationId xmlns:a16="http://schemas.microsoft.com/office/drawing/2014/main" id="{2FBE5B6E-1A60-94D9-187F-913C139920B9}"/>
+              </a:ext>
+            </a:extLst>
+          </p:cNvPr>
+          <p:cNvPicPr>
+            <a:picLocks noChangeAspect="1"/>
+          </p:cNvPicPr>
+          <p:nvPr/>
+        </p:nvPicPr>
+        <p:blipFill>
+          <a:blip r:embed="rId4"/>
+          <a:stretch>
+            <a:fillRect/>
+          </a:stretch>
+        </p:blipFill>
+        <p:spPr>
+          <a:xfrm>
+            <a:off x="802803" y="2423854"/>
+            <a:ext cx="3313233" cy="2522318"/>
+          </a:xfrm>
+          <a:prstGeom prst="rect">
+            <a:avLst/>
+          </a:prstGeom>
+        </p:spPr>
+      </p:pic>
+      <p:sp>
+        <p:nvSpPr>
+          <p:cNvPr id="13" name="TextBox 12">
+            <a:extLst>
+              <a:ext uri="{FF2B5EF4-FFF2-40B4-BE49-F238E27FC236}">
+                <a16:creationId xmlns:a16="http://schemas.microsoft.com/office/drawing/2014/main" id="{C1D81F25-AA1B-5D79-2481-6935028480F3}"/>
+              </a:ext>
+            </a:extLst>
+          </p:cNvPr>
+          <p:cNvSpPr txBox="1"/>
+          <p:nvPr/>
+        </p:nvSpPr>
+        <p:spPr>
+          <a:xfrm>
+            <a:off x="831495" y="1981792"/>
+            <a:ext cx="1178528" cy="415498"/>
+          </a:xfrm>
+          <a:prstGeom prst="rect">
+            <a:avLst/>
+          </a:prstGeom>
+          <a:noFill/>
+        </p:spPr>
+        <p:txBody>
+          <a:bodyPr wrap="none" rtlCol="0">
+            <a:spAutoFit/>
+          </a:bodyPr>
+          <a:lstStyle/>
+          <a:p>
+            <a:r>
+              <a:rPr lang="ko-KR" altLang="en-US" sz="2100" dirty="0">
+                <a:latin typeface="Spoqa Han Sans Neo Medium" pitchFamily="2" charset="-127"/>
+                <a:ea typeface="Spoqa Han Sans Neo Medium" pitchFamily="2" charset="-127"/>
+              </a:rPr>
+              <a:t>자료구조</a:t>
+            </a:r>
+          </a:p>
+        </p:txBody>
+      </p:sp>
     </p:spTree>
     <p:extLst>
       <p:ext uri="{BB962C8B-B14F-4D97-AF65-F5344CB8AC3E}">
-        <p14:creationId xmlns:p14="http://schemas.microsoft.com/office/powerpoint/2010/main" val="1416858832"/>
+        <p14:creationId xmlns:p14="http://schemas.microsoft.com/office/powerpoint/2010/main" val="824592560"/>
       </p:ext>
     </p:extLst>
   </p:cSld>
@@ -2692,7 +3975,7 @@
           <a:p>
             <a:r>
               <a:rPr lang="ko-KR" altLang="en-US" dirty="0"/>
-              <a:t>구현내용</a:t>
+              <a:t>구현내용 및 개발환경 구성</a:t>
             </a:r>
           </a:p>
         </p:txBody>
@@ -2722,10 +4005,32 @@
               <a:buNone/>
             </a:pPr>
             <a:r>
-              <a:rPr lang="ko-KR" altLang="en-US" b="1" dirty="0"/>
-              <a:t>제목</a:t>
-            </a:r>
-            <a:endParaRPr lang="ko-KR" altLang="en-US" dirty="0"/>
+              <a:rPr lang="ko-KR" altLang="en-US" dirty="0"/>
+              <a:t>개발환경</a:t>
+            </a:r>
+            <a:endParaRPr lang="en-US" altLang="ko-KR" dirty="0"/>
+          </a:p>
+          <a:p>
+            <a:pPr lvl="1"/>
+            <a:r>
+              <a:rPr lang="en-US" altLang="ko-KR" dirty="0"/>
+              <a:t>IntelliJ community edition</a:t>
+            </a:r>
+          </a:p>
+          <a:p>
+            <a:pPr lvl="2"/>
+            <a:r>
+              <a:rPr lang="en-US" altLang="ko-KR" dirty="0">
+                <a:effectLst/>
+                <a:hlinkClick r:id="rId3"/>
+              </a:rPr>
+              <a:t>https://www.jetbrains.com/idea/download</a:t>
+            </a:r>
+            <a:endParaRPr lang="en-US" altLang="ko-KR" dirty="0">
+              <a:solidFill>
+                <a:srgbClr val="53585F"/>
+              </a:solidFill>
+            </a:endParaRPr>
           </a:p>
         </p:txBody>
       </p:sp>
@@ -2867,7 +4172,7 @@
     </p:spTree>
     <p:extLst>
       <p:ext uri="{BB962C8B-B14F-4D97-AF65-F5344CB8AC3E}">
-        <p14:creationId xmlns:p14="http://schemas.microsoft.com/office/powerpoint/2010/main" val="2741360400"/>
+        <p14:creationId xmlns:p14="http://schemas.microsoft.com/office/powerpoint/2010/main" val="1541318918"/>
       </p:ext>
     </p:extLst>
   </p:cSld>
@@ -2917,7 +4222,7 @@
           <a:p>
             <a:r>
               <a:rPr lang="ko-KR" altLang="en-US" dirty="0"/>
-              <a:t>구현내용</a:t>
+              <a:t>구현내용 및 개발환경 구성</a:t>
             </a:r>
           </a:p>
         </p:txBody>
@@ -2947,10 +4252,70 @@
               <a:buNone/>
             </a:pPr>
             <a:r>
-              <a:rPr lang="ko-KR" altLang="en-US" b="1" dirty="0"/>
-              <a:t>제목</a:t>
-            </a:r>
-            <a:endParaRPr lang="ko-KR" altLang="en-US" dirty="0"/>
+              <a:rPr lang="en-US" altLang="ko-KR" dirty="0"/>
+              <a:t>Spring </a:t>
+            </a:r>
+            <a:r>
+              <a:rPr lang="en-US" altLang="ko-KR" dirty="0" err="1"/>
+              <a:t>initializr</a:t>
+            </a:r>
+            <a:endParaRPr lang="en-US" altLang="ko-KR" dirty="0"/>
+          </a:p>
+          <a:p>
+            <a:pPr lvl="1"/>
+            <a:r>
+              <a:rPr lang="en-US" altLang="ko-KR" dirty="0">
+                <a:effectLst/>
+                <a:hlinkClick r:id="rId3"/>
+              </a:rPr>
+              <a:t>https://start.spring.io</a:t>
+            </a:r>
+            <a:endParaRPr lang="en-US" altLang="ko-KR" dirty="0">
+              <a:effectLst/>
+            </a:endParaRPr>
+          </a:p>
+          <a:p>
+            <a:pPr lvl="2"/>
+            <a:r>
+              <a:rPr lang="en-US" altLang="ko-KR" sz="400" dirty="0">
+                <a:effectLst/>
+                <a:hlinkClick r:id="rId4"/>
+              </a:rPr>
+              <a:t>https://start.spring.io/#!type=gradle-project-kotlin&amp;language=kotlin&amp;platformVersion=3.1.1&amp;packaging=jar&amp;jvmVersion=17&amp;groupId=dev.fastcampus&amp;artifactId=mvc&amp;name=mvc&amp;description=spring boot </a:t>
+            </a:r>
+            <a:r>
+              <a:rPr lang="en-US" altLang="ko-KR" sz="400" dirty="0" err="1">
+                <a:effectLst/>
+                <a:hlinkClick r:id="rId4"/>
+              </a:rPr>
+              <a:t>mvc&amp;packageName</a:t>
+            </a:r>
+            <a:r>
+              <a:rPr lang="en-US" altLang="ko-KR" sz="400" dirty="0">
+                <a:effectLst/>
+                <a:hlinkClick r:id="rId4"/>
+              </a:rPr>
+              <a:t>=</a:t>
+            </a:r>
+            <a:r>
+              <a:rPr lang="en-US" altLang="ko-KR" sz="400" dirty="0" err="1">
+                <a:effectLst/>
+                <a:hlinkClick r:id="rId4"/>
+              </a:rPr>
+              <a:t>dev.fastcampus.mvc&amp;dependencies</a:t>
+            </a:r>
+            <a:r>
+              <a:rPr lang="en-US" altLang="ko-KR" sz="400" dirty="0">
+                <a:effectLst/>
+                <a:hlinkClick r:id="rId4"/>
+              </a:rPr>
+              <a:t>=web,data-jpa,h2</a:t>
+            </a:r>
+            <a:endParaRPr lang="en-US" altLang="ko-KR" dirty="0">
+              <a:solidFill>
+                <a:srgbClr val="53585F"/>
+              </a:solidFill>
+            </a:endParaRPr>
           </a:p>
         </p:txBody>
       </p:sp>
@@ -3089,10 +4454,441 @@
           </a:p>
         </p:txBody>
       </p:sp>
+      <p:pic>
+        <p:nvPicPr>
+          <p:cNvPr id="5" name="그림 4">
+            <a:extLst>
+              <a:ext uri="{FF2B5EF4-FFF2-40B4-BE49-F238E27FC236}">
+                <a16:creationId xmlns:a16="http://schemas.microsoft.com/office/drawing/2014/main" id="{9CA9B169-02FE-EB31-6B4D-850C1D9DC340}"/>
+              </a:ext>
+            </a:extLst>
+          </p:cNvPr>
+          <p:cNvPicPr>
+            <a:picLocks noChangeAspect="1"/>
+          </p:cNvPicPr>
+          <p:nvPr/>
+        </p:nvPicPr>
+        <p:blipFill rotWithShape="1">
+          <a:blip r:embed="rId5"/>
+          <a:srcRect t="1790" b="9399"/>
+          <a:stretch/>
+        </p:blipFill>
+        <p:spPr>
+          <a:xfrm>
+            <a:off x="1538867" y="2427051"/>
+            <a:ext cx="5274527" cy="2578727"/>
+          </a:xfrm>
+          <a:prstGeom prst="rect">
+            <a:avLst/>
+          </a:prstGeom>
+        </p:spPr>
+      </p:pic>
     </p:spTree>
     <p:extLst>
       <p:ext uri="{BB962C8B-B14F-4D97-AF65-F5344CB8AC3E}">
-        <p14:creationId xmlns:p14="http://schemas.microsoft.com/office/powerpoint/2010/main" val="1748916824"/>
+        <p14:creationId xmlns:p14="http://schemas.microsoft.com/office/powerpoint/2010/main" val="655341600"/>
+      </p:ext>
+    </p:extLst>
+  </p:cSld>
+  <p:clrMapOvr>
+    <a:masterClrMapping/>
+  </p:clrMapOvr>
+</p:sld>
+</file>
+
+<file path=ppt/slides/slide6.xml><?xml version="1.0" encoding="utf-8"?>
+<p:sld xmlns:a="http://schemas.openxmlformats.org/drawingml/2006/main" xmlns:r="http://schemas.openxmlformats.org/officeDocument/2006/relationships" xmlns:p="http://schemas.openxmlformats.org/presentationml/2006/main">
+  <p:cSld>
+    <p:spTree>
+      <p:nvGrpSpPr>
+        <p:cNvPr id="1" name=""/>
+        <p:cNvGrpSpPr/>
+        <p:nvPr/>
+      </p:nvGrpSpPr>
+      <p:grpSpPr>
+        <a:xfrm>
+          <a:off x="0" y="0"/>
+          <a:ext cx="0" cy="0"/>
+          <a:chOff x="0" y="0"/>
+          <a:chExt cx="0" cy="0"/>
+        </a:xfrm>
+      </p:grpSpPr>
+      <p:sp>
+        <p:nvSpPr>
+          <p:cNvPr id="2" name="제목 1">
+            <a:extLst>
+              <a:ext uri="{FF2B5EF4-FFF2-40B4-BE49-F238E27FC236}">
+                <a16:creationId xmlns:a16="http://schemas.microsoft.com/office/drawing/2014/main" id="{9896B29B-A1AE-E0C6-8543-753E63140B1C}"/>
+              </a:ext>
+            </a:extLst>
+          </p:cNvPr>
+          <p:cNvSpPr>
+            <a:spLocks noGrp="1"/>
+          </p:cNvSpPr>
+          <p:nvPr>
+            <p:ph type="ctrTitle"/>
+          </p:nvPr>
+        </p:nvSpPr>
+        <p:spPr/>
+        <p:txBody>
+          <a:bodyPr>
+            <a:normAutofit/>
+          </a:bodyPr>
+          <a:lstStyle/>
+          <a:p>
+            <a:r>
+              <a:rPr lang="ko-KR" altLang="en-US" dirty="0"/>
+              <a:t>동기 서비스 구현 </a:t>
+            </a:r>
+            <a:r>
+              <a:rPr lang="en-US" altLang="ko-KR" sz="2000" dirty="0"/>
+              <a:t>(Spring MVC)</a:t>
+            </a:r>
+            <a:endParaRPr lang="ko-KR" altLang="en-US" dirty="0"/>
+          </a:p>
+        </p:txBody>
+      </p:sp>
+      <p:sp>
+        <p:nvSpPr>
+          <p:cNvPr id="4" name="부제목 3">
+            <a:extLst>
+              <a:ext uri="{FF2B5EF4-FFF2-40B4-BE49-F238E27FC236}">
+                <a16:creationId xmlns:a16="http://schemas.microsoft.com/office/drawing/2014/main" id="{7219E4B9-47F6-C7CA-B046-1256225C3574}"/>
+              </a:ext>
+            </a:extLst>
+          </p:cNvPr>
+          <p:cNvSpPr>
+            <a:spLocks noGrp="1"/>
+          </p:cNvSpPr>
+          <p:nvPr>
+            <p:ph type="subTitle" idx="1"/>
+          </p:nvPr>
+        </p:nvSpPr>
+        <p:spPr/>
+        <p:txBody>
+          <a:bodyPr>
+            <a:normAutofit/>
+          </a:bodyPr>
+          <a:lstStyle/>
+          <a:p>
+            <a:pPr marL="0" indent="0" algn="r">
+              <a:buNone/>
+            </a:pPr>
+            <a:r>
+              <a:rPr lang="en-US" altLang="ko" b="1" dirty="0">
+                <a:solidFill>
+                  <a:srgbClr val="ED234B"/>
+                </a:solidFill>
+              </a:rPr>
+              <a:t>2</a:t>
+            </a:r>
+            <a:r>
+              <a:rPr lang="ko" altLang="ko-KR" b="1" dirty="0">
+                <a:solidFill>
+                  <a:srgbClr val="ED234B"/>
+                </a:solidFill>
+              </a:rPr>
+              <a:t> </a:t>
+            </a:r>
+            <a:r>
+              <a:rPr lang="ko-KR" altLang="en-US" dirty="0"/>
+              <a:t>서비스 구현</a:t>
+            </a:r>
+          </a:p>
+        </p:txBody>
+      </p:sp>
+    </p:spTree>
+    <p:extLst>
+      <p:ext uri="{BB962C8B-B14F-4D97-AF65-F5344CB8AC3E}">
+        <p14:creationId xmlns:p14="http://schemas.microsoft.com/office/powerpoint/2010/main" val="2984680853"/>
+      </p:ext>
+    </p:extLst>
+  </p:cSld>
+  <p:clrMapOvr>
+    <a:masterClrMapping/>
+  </p:clrMapOvr>
+</p:sld>
+</file>
+
+<file path=ppt/slides/slide7.xml><?xml version="1.0" encoding="utf-8"?>
+<p:sld xmlns:a="http://schemas.openxmlformats.org/drawingml/2006/main" xmlns:r="http://schemas.openxmlformats.org/officeDocument/2006/relationships" xmlns:p="http://schemas.openxmlformats.org/presentationml/2006/main">
+  <p:cSld>
+    <p:spTree>
+      <p:nvGrpSpPr>
+        <p:cNvPr id="1" name=""/>
+        <p:cNvGrpSpPr/>
+        <p:nvPr/>
+      </p:nvGrpSpPr>
+      <p:grpSpPr>
+        <a:xfrm>
+          <a:off x="0" y="0"/>
+          <a:ext cx="0" cy="0"/>
+          <a:chOff x="0" y="0"/>
+          <a:chExt cx="0" cy="0"/>
+        </a:xfrm>
+      </p:grpSpPr>
+      <p:sp>
+        <p:nvSpPr>
+          <p:cNvPr id="4" name="제목 3">
+            <a:extLst>
+              <a:ext uri="{FF2B5EF4-FFF2-40B4-BE49-F238E27FC236}">
+                <a16:creationId xmlns:a16="http://schemas.microsoft.com/office/drawing/2014/main" id="{D283F7C5-AF5C-DEEF-FC15-4B59CEF592DE}"/>
+              </a:ext>
+            </a:extLst>
+          </p:cNvPr>
+          <p:cNvSpPr>
+            <a:spLocks noGrp="1"/>
+          </p:cNvSpPr>
+          <p:nvPr>
+            <p:ph type="ctrTitle"/>
+          </p:nvPr>
+        </p:nvSpPr>
+        <p:spPr/>
+        <p:txBody>
+          <a:bodyPr/>
+          <a:lstStyle/>
+          <a:p>
+            <a:r>
+              <a:rPr lang="ko-KR" altLang="en-US" dirty="0"/>
+              <a:t>구현 실습</a:t>
+            </a:r>
+          </a:p>
+        </p:txBody>
+      </p:sp>
+      <p:sp>
+        <p:nvSpPr>
+          <p:cNvPr id="5" name="부제목 4">
+            <a:extLst>
+              <a:ext uri="{FF2B5EF4-FFF2-40B4-BE49-F238E27FC236}">
+                <a16:creationId xmlns:a16="http://schemas.microsoft.com/office/drawing/2014/main" id="{C884C73A-BBA1-E6A6-DDF5-9A946E28E963}"/>
+              </a:ext>
+            </a:extLst>
+          </p:cNvPr>
+          <p:cNvSpPr>
+            <a:spLocks noGrp="1"/>
+          </p:cNvSpPr>
+          <p:nvPr>
+            <p:ph type="subTitle" idx="1"/>
+          </p:nvPr>
+        </p:nvSpPr>
+        <p:spPr/>
+        <p:txBody>
+          <a:bodyPr/>
+          <a:lstStyle/>
+          <a:p>
+            <a:pPr marL="0" indent="0" algn="r">
+              <a:buNone/>
+            </a:pPr>
+            <a:r>
+              <a:rPr lang="en-US" altLang="ko-KR" dirty="0"/>
+              <a:t>Hello world </a:t>
+            </a:r>
+            <a:r>
+              <a:rPr lang="en-US" altLang="ko-KR"/>
+              <a:t>API </a:t>
+            </a:r>
+            <a:r>
+              <a:rPr lang="ko-KR" altLang="en-US" dirty="0"/>
+              <a:t>구현</a:t>
+            </a:r>
+          </a:p>
+        </p:txBody>
+      </p:sp>
+    </p:spTree>
+    <p:extLst>
+      <p:ext uri="{BB962C8B-B14F-4D97-AF65-F5344CB8AC3E}">
+        <p14:creationId xmlns:p14="http://schemas.microsoft.com/office/powerpoint/2010/main" val="2848712885"/>
+      </p:ext>
+    </p:extLst>
+  </p:cSld>
+  <p:clrMapOvr>
+    <a:masterClrMapping/>
+  </p:clrMapOvr>
+</p:sld>
+</file>
+
+<file path=ppt/slides/slide8.xml><?xml version="1.0" encoding="utf-8"?>
+<p:sld xmlns:a="http://schemas.openxmlformats.org/drawingml/2006/main" xmlns:r="http://schemas.openxmlformats.org/officeDocument/2006/relationships" xmlns:p="http://schemas.openxmlformats.org/presentationml/2006/main">
+  <p:cSld>
+    <p:spTree>
+      <p:nvGrpSpPr>
+        <p:cNvPr id="1" name=""/>
+        <p:cNvGrpSpPr/>
+        <p:nvPr/>
+      </p:nvGrpSpPr>
+      <p:grpSpPr>
+        <a:xfrm>
+          <a:off x="0" y="0"/>
+          <a:ext cx="0" cy="0"/>
+          <a:chOff x="0" y="0"/>
+          <a:chExt cx="0" cy="0"/>
+        </a:xfrm>
+      </p:grpSpPr>
+      <p:sp>
+        <p:nvSpPr>
+          <p:cNvPr id="4" name="제목 3">
+            <a:extLst>
+              <a:ext uri="{FF2B5EF4-FFF2-40B4-BE49-F238E27FC236}">
+                <a16:creationId xmlns:a16="http://schemas.microsoft.com/office/drawing/2014/main" id="{D283F7C5-AF5C-DEEF-FC15-4B59CEF592DE}"/>
+              </a:ext>
+            </a:extLst>
+          </p:cNvPr>
+          <p:cNvSpPr>
+            <a:spLocks noGrp="1"/>
+          </p:cNvSpPr>
+          <p:nvPr>
+            <p:ph type="ctrTitle"/>
+          </p:nvPr>
+        </p:nvSpPr>
+        <p:spPr/>
+        <p:txBody>
+          <a:bodyPr/>
+          <a:lstStyle/>
+          <a:p>
+            <a:r>
+              <a:rPr lang="ko-KR" altLang="en-US" dirty="0"/>
+              <a:t>구현 실습</a:t>
+            </a:r>
+          </a:p>
+        </p:txBody>
+      </p:sp>
+      <p:sp>
+        <p:nvSpPr>
+          <p:cNvPr id="5" name="부제목 4">
+            <a:extLst>
+              <a:ext uri="{FF2B5EF4-FFF2-40B4-BE49-F238E27FC236}">
+                <a16:creationId xmlns:a16="http://schemas.microsoft.com/office/drawing/2014/main" id="{C884C73A-BBA1-E6A6-DDF5-9A946E28E963}"/>
+              </a:ext>
+            </a:extLst>
+          </p:cNvPr>
+          <p:cNvSpPr>
+            <a:spLocks noGrp="1"/>
+          </p:cNvSpPr>
+          <p:nvPr>
+            <p:ph type="subTitle" idx="1"/>
+          </p:nvPr>
+        </p:nvSpPr>
+        <p:spPr/>
+        <p:txBody>
+          <a:bodyPr/>
+          <a:lstStyle/>
+          <a:p>
+            <a:pPr marL="0" indent="0" algn="r">
+              <a:buNone/>
+            </a:pPr>
+            <a:r>
+              <a:rPr lang="en-US" altLang="ko-KR" dirty="0"/>
+              <a:t>CRUD </a:t>
+            </a:r>
+            <a:r>
+              <a:rPr lang="ko-KR" altLang="en-US" dirty="0"/>
+              <a:t>서비스 구현</a:t>
+            </a:r>
+          </a:p>
+        </p:txBody>
+      </p:sp>
+    </p:spTree>
+    <p:extLst>
+      <p:ext uri="{BB962C8B-B14F-4D97-AF65-F5344CB8AC3E}">
+        <p14:creationId xmlns:p14="http://schemas.microsoft.com/office/powerpoint/2010/main" val="1085195890"/>
+      </p:ext>
+    </p:extLst>
+  </p:cSld>
+  <p:clrMapOvr>
+    <a:masterClrMapping/>
+  </p:clrMapOvr>
+</p:sld>
+</file>
+
+<file path=ppt/slides/slide9.xml><?xml version="1.0" encoding="utf-8"?>
+<p:sld xmlns:a="http://schemas.openxmlformats.org/drawingml/2006/main" xmlns:r="http://schemas.openxmlformats.org/officeDocument/2006/relationships" xmlns:p="http://schemas.openxmlformats.org/presentationml/2006/main">
+  <p:cSld>
+    <p:spTree>
+      <p:nvGrpSpPr>
+        <p:cNvPr id="1" name=""/>
+        <p:cNvGrpSpPr/>
+        <p:nvPr/>
+      </p:nvGrpSpPr>
+      <p:grpSpPr>
+        <a:xfrm>
+          <a:off x="0" y="0"/>
+          <a:ext cx="0" cy="0"/>
+          <a:chOff x="0" y="0"/>
+          <a:chExt cx="0" cy="0"/>
+        </a:xfrm>
+      </p:grpSpPr>
+      <p:sp>
+        <p:nvSpPr>
+          <p:cNvPr id="4" name="제목 3">
+            <a:extLst>
+              <a:ext uri="{FF2B5EF4-FFF2-40B4-BE49-F238E27FC236}">
+                <a16:creationId xmlns:a16="http://schemas.microsoft.com/office/drawing/2014/main" id="{D283F7C5-AF5C-DEEF-FC15-4B59CEF592DE}"/>
+              </a:ext>
+            </a:extLst>
+          </p:cNvPr>
+          <p:cNvSpPr>
+            <a:spLocks noGrp="1"/>
+          </p:cNvSpPr>
+          <p:nvPr>
+            <p:ph type="ctrTitle"/>
+          </p:nvPr>
+        </p:nvSpPr>
+        <p:spPr/>
+        <p:txBody>
+          <a:bodyPr/>
+          <a:lstStyle/>
+          <a:p>
+            <a:r>
+              <a:rPr lang="ko-KR" altLang="en-US" dirty="0"/>
+              <a:t>구현 실습</a:t>
+            </a:r>
+          </a:p>
+        </p:txBody>
+      </p:sp>
+      <p:sp>
+        <p:nvSpPr>
+          <p:cNvPr id="5" name="부제목 4">
+            <a:extLst>
+              <a:ext uri="{FF2B5EF4-FFF2-40B4-BE49-F238E27FC236}">
+                <a16:creationId xmlns:a16="http://schemas.microsoft.com/office/drawing/2014/main" id="{C884C73A-BBA1-E6A6-DDF5-9A946E28E963}"/>
+              </a:ext>
+            </a:extLst>
+          </p:cNvPr>
+          <p:cNvSpPr>
+            <a:spLocks noGrp="1"/>
+          </p:cNvSpPr>
+          <p:nvPr>
+            <p:ph type="subTitle" idx="1"/>
+          </p:nvPr>
+        </p:nvSpPr>
+        <p:spPr/>
+        <p:txBody>
+          <a:bodyPr/>
+          <a:lstStyle/>
+          <a:p>
+            <a:pPr marL="0" indent="0" algn="r">
+              <a:buNone/>
+            </a:pPr>
+            <a:r>
+              <a:rPr lang="en-US" altLang="ko-KR" dirty="0"/>
+              <a:t>Unit</a:t>
+            </a:r>
+            <a:r>
+              <a:rPr lang="ko-KR" altLang="en-US" dirty="0"/>
+              <a:t> 테스트 </a:t>
+            </a:r>
+            <a:r>
+              <a:rPr lang="en-US" altLang="ko-KR" dirty="0"/>
+              <a:t>(Junit)</a:t>
+            </a:r>
+            <a:endParaRPr lang="ko-KR" altLang="en-US" dirty="0"/>
+          </a:p>
+        </p:txBody>
+      </p:sp>
+    </p:spTree>
+    <p:extLst>
+      <p:ext uri="{BB962C8B-B14F-4D97-AF65-F5344CB8AC3E}">
+        <p14:creationId xmlns:p14="http://schemas.microsoft.com/office/powerpoint/2010/main" val="388313514"/>
       </p:ext>
     </p:extLst>
   </p:cSld>

--- a/99.ppt/[Ch4-2. 동기 서비스 구현 (Spring MVC)].pptx
+++ b/99.ppt/[Ch4-2. 동기 서비스 구현 (Spring MVC)].pptx
@@ -527,6 +527,51 @@
           <a:bodyPr/>
           <a:lstStyle/>
           <a:p>
+            <a:r>
+              <a:rPr lang="ko-KR" altLang="en-US" dirty="0"/>
+              <a:t>복습 차원에서 여러분들이 익숙한 </a:t>
+            </a:r>
+            <a:r>
+              <a:rPr lang="en-US" altLang="ko-KR" dirty="0"/>
+              <a:t>Spring MVC </a:t>
+            </a:r>
+            <a:r>
+              <a:rPr lang="ko-KR" altLang="en-US" dirty="0"/>
+              <a:t>로 간단한 </a:t>
+            </a:r>
+            <a:r>
+              <a:rPr lang="en-US" altLang="ko-KR" dirty="0"/>
+              <a:t>CRUD </a:t>
+            </a:r>
+            <a:r>
+              <a:rPr lang="ko-KR" altLang="en-US" dirty="0"/>
+              <a:t>서비스를 만들어 보겠습니다</a:t>
+            </a:r>
+            <a:r>
+              <a:rPr lang="en-US" altLang="ko-KR" dirty="0"/>
+              <a:t>.</a:t>
+            </a:r>
+          </a:p>
+          <a:p>
+            <a:endParaRPr lang="en-US" altLang="ko-KR" dirty="0"/>
+          </a:p>
+          <a:p>
+            <a:r>
+              <a:rPr lang="ko-KR" altLang="en-US" dirty="0"/>
+              <a:t>여기에서 만든 </a:t>
+            </a:r>
+            <a:r>
+              <a:rPr lang="en-US" altLang="ko-KR" dirty="0"/>
+              <a:t>API </a:t>
+            </a:r>
+            <a:r>
+              <a:rPr lang="ko-KR" altLang="en-US" dirty="0"/>
+              <a:t>서버는 이후 개발될 비동기 서비스와의 비교 기준이 될 예정입니다</a:t>
+            </a:r>
+            <a:r>
+              <a:rPr lang="en-US" altLang="ko-KR" dirty="0"/>
+              <a:t>.</a:t>
+            </a:r>
             <a:endParaRPr lang="ko-KR" altLang="en-US" dirty="0"/>
           </a:p>
         </p:txBody>
@@ -716,9 +761,12 @@
             </a:r>
             <a:r>
               <a:rPr lang="ko-KR" altLang="en-US" dirty="0"/>
-              <a:t> 맞춰 제품을 내놓고 있었는데요</a:t>
-            </a:r>
-            <a:endParaRPr lang="en-US" altLang="ko-KR" dirty="0"/>
+              <a:t> 맞춰 제품을 내놓고 있었습니다</a:t>
+            </a:r>
+            <a:r>
+              <a:rPr lang="en-US" altLang="ko-KR" dirty="0"/>
+              <a:t>.</a:t>
+            </a:r>
           </a:p>
           <a:p>
             <a:endParaRPr lang="en-US" altLang="ko-KR" dirty="0"/>
@@ -863,7 +911,7 @@
             </a:r>
             <a:r>
               <a:rPr lang="ko-KR" altLang="en-US" dirty="0"/>
-              <a:t>라는 과한 사명감으로</a:t>
+              <a:t>라는 과한 사명감으로 </a:t>
             </a:r>
             <a:endParaRPr lang="en-US" altLang="ko-KR" dirty="0"/>
           </a:p>
@@ -874,7 +922,25 @@
             </a:r>
             <a:r>
               <a:rPr lang="ko-KR" altLang="en-US" dirty="0" err="1"/>
-              <a:t>과해졌어요</a:t>
+              <a:t>과해졌고</a:t>
+            </a:r>
+            <a:endParaRPr lang="en-US" altLang="ko-KR" dirty="0"/>
+          </a:p>
+          <a:p>
+            <a:endParaRPr lang="en-US" altLang="ko-KR" dirty="0"/>
+          </a:p>
+          <a:p>
+            <a:r>
+              <a:rPr lang="ko-KR" altLang="en-US" dirty="0"/>
+              <a:t>개발자는 문맥도 </a:t>
+            </a:r>
+            <a:r>
+              <a:rPr lang="ko-KR" altLang="en-US" dirty="0" err="1"/>
+              <a:t>모른채</a:t>
+            </a:r>
+            <a:r>
+              <a:rPr lang="ko-KR" altLang="en-US" dirty="0"/>
+              <a:t> 채울 빈 칸이 너무 많아졌습니다</a:t>
             </a:r>
             <a:r>
               <a:rPr lang="en-US" altLang="ko-KR" dirty="0"/>
@@ -887,40 +953,11 @@
           <a:p>
             <a:r>
               <a:rPr lang="ko-KR" altLang="en-US" dirty="0"/>
-              <a:t>개발자는 채울 빈 칸이 너무 많아졌고요</a:t>
-            </a:r>
-            <a:r>
-              <a:rPr lang="en-US" altLang="ko-KR" dirty="0"/>
-              <a:t>.</a:t>
-            </a:r>
-          </a:p>
-          <a:p>
+              <a:t>특정 인터페이스를 구현하거나 상속해야 할 내용들이 너무 많아져서</a:t>
+            </a:r>
             <a:endParaRPr lang="en-US" altLang="ko-KR" dirty="0"/>
           </a:p>
           <a:p>
-            <a:r>
-              <a:rPr lang="ko-KR" altLang="en-US" dirty="0"/>
-              <a:t>특정 인터페이스를 구현하거나 상속받아야 할 내용들이 너무 많아져서</a:t>
-            </a:r>
-            <a:endParaRPr lang="en-US" altLang="ko-KR" dirty="0"/>
-          </a:p>
-          <a:p>
-            <a:r>
-              <a:rPr lang="ko-KR" altLang="en-US" dirty="0"/>
-              <a:t>내가 뭘 </a:t>
-            </a:r>
-            <a:r>
-              <a:rPr lang="ko-KR" altLang="en-US" dirty="0" err="1"/>
-              <a:t>하는건지</a:t>
-            </a:r>
-            <a:r>
-              <a:rPr lang="ko-KR" altLang="en-US" dirty="0"/>
-              <a:t> </a:t>
-            </a:r>
-            <a:r>
-              <a:rPr lang="en-US" altLang="ko-KR" dirty="0"/>
-              <a:t>… </a:t>
-            </a:r>
             <a:r>
               <a:rPr lang="ko-KR" altLang="en-US" dirty="0" err="1"/>
               <a:t>아니러니하게</a:t>
@@ -972,7 +1009,7 @@
             </a:r>
             <a:r>
               <a:rPr lang="ko-KR" altLang="en-US" dirty="0"/>
-              <a:t>분이 소요되는 등 현장에서는 엄청난 비효율이 벌어지고 있었고요</a:t>
+              <a:t>분이 소요되는 등 현장에서는 엄청난 비효율이 벌어지고 있었습니다</a:t>
             </a:r>
             <a:r>
               <a:rPr lang="en-US" altLang="ko-KR" dirty="0"/>
@@ -989,6 +1026,27 @@
             </a:r>
             <a:r>
               <a:rPr lang="ko-KR" altLang="en-US" dirty="0"/>
+              <a:t>이 이럴 때 </a:t>
+            </a:r>
+            <a:r>
+              <a:rPr lang="ko-KR" altLang="en-US" dirty="0" err="1"/>
+              <a:t>등장한거죠</a:t>
+            </a:r>
+            <a:r>
+              <a:rPr lang="en-US" altLang="ko-KR" dirty="0"/>
+              <a:t>. </a:t>
+            </a:r>
+          </a:p>
+          <a:p>
+            <a:endParaRPr lang="en-US" altLang="ko-KR" dirty="0"/>
+          </a:p>
+          <a:p>
+            <a:r>
+              <a:rPr lang="en-US" altLang="ko-KR" dirty="0"/>
+              <a:t>Spring</a:t>
+            </a:r>
+            <a:r>
+              <a:rPr lang="ko-KR" altLang="en-US" dirty="0"/>
               <a:t>의 </a:t>
             </a:r>
             <a:r>
@@ -1005,7 +1063,28 @@
             </a:r>
             <a:r>
               <a:rPr lang="ko-KR" altLang="en-US" dirty="0"/>
-              <a:t>객체라는 캐치프레이즈는 그래서 울림이 대단했습니다</a:t>
+              <a:t>객체로 엔터프라이즈 어플리케이션을 개발할 수 있다는 캐치프레이즈는 그래서 울림이 대단했습니다</a:t>
+            </a:r>
+            <a:r>
+              <a:rPr lang="en-US" altLang="ko-KR" dirty="0"/>
+              <a:t>.</a:t>
+            </a:r>
+          </a:p>
+          <a:p>
+            <a:endParaRPr lang="en-US" altLang="ko-KR" dirty="0"/>
+          </a:p>
+          <a:p>
+            <a:r>
+              <a:rPr lang="ko-KR" altLang="en-US" dirty="0"/>
+              <a:t>빈 칸 없이 너무 간단했고</a:t>
+            </a:r>
+            <a:r>
+              <a:rPr lang="en-US" altLang="ko-KR" dirty="0"/>
+              <a:t> </a:t>
+            </a:r>
+            <a:r>
+              <a:rPr lang="ko-KR" altLang="en-US" dirty="0"/>
+              <a:t>비즈니스 로직이 그대로 보였거든요</a:t>
             </a:r>
             <a:r>
               <a:rPr lang="en-US" altLang="ko-KR" dirty="0"/>
@@ -1076,7 +1155,7 @@
             </a:r>
             <a:r>
               <a:rPr lang="ko-KR" altLang="en-US" dirty="0"/>
-              <a:t>란 패턴 하에 손쉽게 전환 가능하도록 프레임워크화 되었습니다</a:t>
+              <a:t>란 패턴 하에 손쉽게 상호전환 가능하도록 프레임워크화 되었습니다</a:t>
             </a:r>
             <a:r>
               <a:rPr lang="en-US" altLang="ko-KR" dirty="0"/>
@@ -1134,17 +1213,26 @@
           </a:p>
           <a:p>
             <a:r>
+              <a:rPr lang="ko-KR" altLang="en-US" dirty="0"/>
+              <a:t>처음에서는 </a:t>
+            </a:r>
+            <a:r>
               <a:rPr lang="en-US" altLang="ko-KR" dirty="0"/>
               <a:t>EJB</a:t>
             </a:r>
             <a:r>
               <a:rPr lang="ko-KR" altLang="en-US" dirty="0"/>
-              <a:t>처럼 이를 설정파일로 정의해 관리하고 있었습니다</a:t>
-            </a:r>
-            <a:r>
-              <a:rPr lang="en-US" altLang="ko-KR" dirty="0"/>
-              <a:t>. </a:t>
-            </a:r>
+              <a:t>와 마찬가지로 이를 설정파일로 정의해 관리하고 있었습니다</a:t>
+            </a:r>
+            <a:r>
+              <a:rPr lang="en-US" altLang="ko-KR" dirty="0"/>
+              <a:t>.</a:t>
+            </a:r>
+          </a:p>
+          <a:p>
+            <a:endParaRPr lang="en-US" altLang="ko-KR" dirty="0"/>
+          </a:p>
+          <a:p>
             <a:r>
               <a:rPr lang="ko-KR" altLang="en-US" dirty="0"/>
               <a:t>물론 </a:t>
@@ -1155,11 +1243,15 @@
             </a:r>
             <a:r>
               <a:rPr lang="ko-KR" altLang="en-US" dirty="0"/>
-              <a:t>와 비교할 수 없을 정도로 간단하긴 </a:t>
-            </a:r>
-            <a:r>
-              <a:rPr lang="ko-KR" altLang="en-US" dirty="0" err="1"/>
-              <a:t>했지만요</a:t>
+              <a:t>와 비교할 수 없을 정도로 간단하긴 했지만 어플리케이션이 복잡해지면서 이 또한 </a:t>
+            </a:r>
+            <a:r>
+              <a:rPr lang="en-US" altLang="ko-KR" dirty="0"/>
+              <a:t>xml hell </a:t>
+            </a:r>
+            <a:r>
+              <a:rPr lang="ko-KR" altLang="en-US" dirty="0"/>
+              <a:t>이라는 이름으로 조롱거리가 되었습니다</a:t>
             </a:r>
             <a:r>
               <a:rPr lang="en-US" altLang="ko-KR" dirty="0"/>
@@ -1172,7 +1264,7 @@
           <a:p>
             <a:r>
               <a:rPr lang="ko-KR" altLang="en-US" dirty="0"/>
-              <a:t>그러나 설정보단 관습이라는 구호 아래</a:t>
+              <a:t>그러나</a:t>
             </a:r>
             <a:r>
               <a:rPr lang="en-US" altLang="ko-KR" dirty="0"/>
@@ -1180,7 +1272,15 @@
             </a:r>
             <a:r>
               <a:rPr lang="ko-KR" altLang="en-US" dirty="0"/>
-              <a:t>이런 설정을 모두 생략하고 모두 </a:t>
+              <a:t>설정보단 관습이라는 구호 아래</a:t>
+            </a:r>
+            <a:r>
+              <a:rPr lang="en-US" altLang="ko-KR" dirty="0"/>
+              <a:t>, </a:t>
+            </a:r>
+            <a:r>
+              <a:rPr lang="ko-KR" altLang="en-US" dirty="0"/>
+              <a:t>이런 설정을 모두 생략하고 </a:t>
             </a:r>
             <a:r>
               <a:rPr lang="en-US" altLang="ko-KR" dirty="0"/>
@@ -1196,7 +1296,7 @@
             </a:r>
             <a:r>
               <a:rPr lang="ko-KR" altLang="en-US" dirty="0"/>
-              <a:t> 변경했습니다</a:t>
+              <a:t> 변경되었습니다</a:t>
             </a:r>
             <a:r>
               <a:rPr lang="en-US" altLang="ko-KR" dirty="0"/>
@@ -1304,40 +1404,312 @@
           <a:lstStyle/>
           <a:p>
             <a:r>
-              <a:rPr lang="ko-KR" altLang="en-US" dirty="0"/>
-              <a:t>지금부터 저희는 복습 차원에서 </a:t>
-            </a:r>
-            <a:r>
               <a:rPr lang="en-US" altLang="ko-KR" dirty="0"/>
               <a:t>Spring MVC</a:t>
             </a:r>
             <a:r>
               <a:rPr lang="ko-KR" altLang="en-US" dirty="0"/>
-              <a:t>로 간단한 </a:t>
-            </a:r>
+              <a:t>로 저희가 만들어볼 간단한 </a:t>
+            </a:r>
+            <a:r>
+              <a:rPr lang="en-US" altLang="ko-KR" dirty="0"/>
+              <a:t>CRUD </a:t>
+            </a:r>
+            <a:r>
+              <a:rPr lang="ko-KR" altLang="en-US" dirty="0"/>
+              <a:t>서비스 </a:t>
+            </a:r>
+            <a:r>
+              <a:rPr lang="ko-KR" altLang="en-US" dirty="0" err="1"/>
+              <a:t>구현내용입니다</a:t>
+            </a:r>
+            <a:r>
+              <a:rPr lang="en-US" altLang="ko-KR" dirty="0"/>
+              <a:t>.</a:t>
+            </a:r>
+          </a:p>
+          <a:p>
+            <a:endParaRPr lang="en-US" altLang="ko-KR" dirty="0"/>
+          </a:p>
+          <a:p>
+            <a:r>
+              <a:rPr lang="ko-KR" altLang="en-US" dirty="0" err="1"/>
+              <a:t>아티클이</a:t>
+            </a:r>
+            <a:r>
+              <a:rPr lang="ko-KR" altLang="en-US" dirty="0"/>
+              <a:t> 있고요</a:t>
+            </a:r>
+            <a:endParaRPr lang="en-US" altLang="ko-KR" dirty="0"/>
+          </a:p>
+          <a:p>
+            <a:r>
+              <a:rPr lang="ko-KR" altLang="en-US" dirty="0"/>
+              <a:t>그 </a:t>
+            </a:r>
+            <a:r>
+              <a:rPr lang="ko-KR" altLang="en-US" dirty="0" err="1"/>
+              <a:t>아티클을</a:t>
+            </a:r>
+            <a:r>
+              <a:rPr lang="ko-KR" altLang="en-US" dirty="0"/>
+              <a:t> 등록</a:t>
+            </a:r>
+            <a:r>
+              <a:rPr lang="en-US" altLang="ko-KR" dirty="0"/>
+              <a:t>, </a:t>
+            </a:r>
+            <a:r>
+              <a:rPr lang="ko-KR" altLang="en-US" dirty="0"/>
+              <a:t>수정</a:t>
+            </a:r>
+            <a:r>
+              <a:rPr lang="en-US" altLang="ko-KR" dirty="0"/>
+              <a:t>, </a:t>
+            </a:r>
+            <a:r>
+              <a:rPr lang="ko-KR" altLang="en-US" dirty="0"/>
+              <a:t>삭제</a:t>
+            </a:r>
+            <a:r>
+              <a:rPr lang="en-US" altLang="ko-KR" dirty="0"/>
+              <a:t>, </a:t>
+            </a:r>
+            <a:r>
+              <a:rPr lang="ko-KR" altLang="en-US" dirty="0"/>
+              <a:t>그리고 조회 할 수 있는 </a:t>
+            </a:r>
+            <a:r>
+              <a:rPr lang="en-US" altLang="ko-KR" dirty="0"/>
+              <a:t>CRUD API </a:t>
+            </a:r>
+            <a:r>
+              <a:rPr lang="ko-KR" altLang="en-US" dirty="0"/>
+              <a:t>입니다</a:t>
+            </a:r>
+            <a:r>
+              <a:rPr lang="en-US" altLang="ko-KR" dirty="0"/>
+              <a:t>.</a:t>
+            </a:r>
+          </a:p>
+          <a:p>
+            <a:endParaRPr lang="en-US" altLang="ko-KR" dirty="0"/>
+          </a:p>
+          <a:p>
+            <a:r>
+              <a:rPr lang="ko-KR" altLang="en-US" dirty="0"/>
+              <a:t>왼쪽이 자료구조</a:t>
+            </a:r>
+            <a:r>
+              <a:rPr lang="en-US" altLang="ko-KR" dirty="0"/>
+              <a:t>, </a:t>
+            </a:r>
+            <a:r>
+              <a:rPr lang="ko-KR" altLang="en-US" dirty="0"/>
+              <a:t>오른쪽이 </a:t>
+            </a:r>
+            <a:r>
+              <a:rPr lang="en-US" altLang="ko-KR" dirty="0"/>
+              <a:t>API </a:t>
+            </a:r>
+            <a:r>
+              <a:rPr lang="ko-KR" altLang="en-US" dirty="0"/>
+              <a:t>스펙인데</a:t>
+            </a:r>
+            <a:r>
+              <a:rPr lang="en-US" altLang="ko-KR" dirty="0"/>
+              <a:t>, </a:t>
+            </a:r>
+            <a:r>
+              <a:rPr lang="ko-KR" altLang="en-US" dirty="0"/>
+              <a:t>간단히 살펴보겠습니다</a:t>
+            </a:r>
+            <a:r>
+              <a:rPr lang="en-US" altLang="ko-KR" dirty="0"/>
+              <a:t>.</a:t>
+            </a:r>
+          </a:p>
+          <a:p>
+            <a:endParaRPr lang="en-US" altLang="ko-KR" dirty="0"/>
+          </a:p>
+          <a:p>
             <a:r>
               <a:rPr lang="en-US" altLang="ko-KR" dirty="0"/>
               <a:t>Article</a:t>
             </a:r>
             <a:r>
               <a:rPr lang="ko-KR" altLang="en-US" dirty="0"/>
-              <a:t>을 </a:t>
-            </a:r>
-            <a:r>
-              <a:rPr lang="en-US" altLang="ko-KR" dirty="0"/>
-              <a:t>CRUD </a:t>
-            </a:r>
-            <a:r>
-              <a:rPr lang="ko-KR" altLang="en-US" dirty="0"/>
-              <a:t>하는 </a:t>
-            </a:r>
+              <a:t>은 </a:t>
+            </a:r>
+            <a:r>
+              <a:rPr lang="en-US" altLang="ko-KR" dirty="0"/>
+              <a:t>Long </a:t>
+            </a:r>
+            <a:r>
+              <a:rPr lang="ko-KR" altLang="en-US" dirty="0"/>
+              <a:t>타입의 </a:t>
+            </a:r>
+            <a:r>
+              <a:rPr lang="en-US" altLang="ko-KR" dirty="0"/>
+              <a:t>id</a:t>
+            </a:r>
+            <a:r>
+              <a:rPr lang="ko-KR" altLang="en-US" dirty="0"/>
+              <a:t>를 </a:t>
+            </a:r>
+            <a:r>
+              <a:rPr lang="en-US" altLang="ko-KR" dirty="0"/>
+              <a:t>PK</a:t>
+            </a:r>
+            <a:r>
+              <a:rPr lang="ko-KR" altLang="en-US" dirty="0"/>
+              <a:t>로</a:t>
+            </a:r>
+            <a:r>
+              <a:rPr lang="en-US" altLang="ko-KR" dirty="0"/>
+              <a:t> </a:t>
+            </a:r>
+            <a:r>
+              <a:rPr lang="ko-KR" altLang="en-US" dirty="0" err="1"/>
+              <a:t>잡을꺼고요</a:t>
+            </a:r>
+            <a:r>
+              <a:rPr lang="en-US" altLang="ko-KR" dirty="0"/>
+              <a:t>. </a:t>
+            </a:r>
+            <a:r>
+              <a:rPr lang="ko-KR" altLang="en-US" dirty="0"/>
+              <a:t>제목</a:t>
+            </a:r>
+            <a:r>
+              <a:rPr lang="en-US" altLang="ko-KR" dirty="0"/>
+              <a:t>, </a:t>
+            </a:r>
+            <a:r>
+              <a:rPr lang="ko-KR" altLang="en-US" dirty="0"/>
+              <a:t>내용</a:t>
+            </a:r>
+            <a:r>
+              <a:rPr lang="en-US" altLang="ko-KR" dirty="0"/>
+              <a:t>, author id </a:t>
+            </a:r>
+            <a:r>
+              <a:rPr lang="ko-KR" altLang="en-US" dirty="0"/>
+              <a:t>를 갖습니다</a:t>
+            </a:r>
+            <a:r>
+              <a:rPr lang="en-US" altLang="ko-KR" dirty="0"/>
+              <a:t>. Author id </a:t>
+            </a:r>
+            <a:r>
+              <a:rPr lang="ko-KR" altLang="en-US" dirty="0"/>
+              <a:t>는 </a:t>
+            </a:r>
+            <a:r>
+              <a:rPr lang="en-US" altLang="ko-KR" dirty="0"/>
+              <a:t>Long </a:t>
+            </a:r>
+            <a:r>
+              <a:rPr lang="ko-KR" altLang="en-US" dirty="0"/>
+              <a:t>타입의 키로 </a:t>
+            </a:r>
+            <a:r>
+              <a:rPr lang="ko-KR" altLang="en-US" dirty="0" err="1"/>
+              <a:t>매핑되고요</a:t>
+            </a:r>
+            <a:r>
+              <a:rPr lang="en-US" altLang="ko-KR" dirty="0"/>
+              <a:t>.</a:t>
+            </a:r>
+          </a:p>
+          <a:p>
+            <a:endParaRPr lang="en-US" altLang="ko-KR" dirty="0"/>
+          </a:p>
+          <a:p>
+            <a:r>
+              <a:rPr lang="ko-KR" altLang="en-US" dirty="0"/>
+              <a:t>마지막으로 등록일자</a:t>
+            </a:r>
+            <a:r>
+              <a:rPr lang="en-US" altLang="ko-KR" dirty="0"/>
+              <a:t>, </a:t>
+            </a:r>
+            <a:r>
+              <a:rPr lang="ko-KR" altLang="en-US" dirty="0"/>
+              <a:t>수정일자를 </a:t>
+            </a:r>
+            <a:r>
+              <a:rPr lang="en-US" altLang="ko-KR" dirty="0" err="1"/>
+              <a:t>LocalDateTIme</a:t>
+            </a:r>
+            <a:r>
+              <a:rPr lang="en-US" altLang="ko-KR" dirty="0"/>
+              <a:t> </a:t>
+            </a:r>
+            <a:r>
+              <a:rPr lang="ko-KR" altLang="en-US" dirty="0"/>
+              <a:t>형태로 저장해 </a:t>
+            </a:r>
+            <a:r>
+              <a:rPr lang="ko-KR" altLang="en-US" dirty="0" err="1"/>
+              <a:t>줄겁니다</a:t>
+            </a:r>
+            <a:r>
+              <a:rPr lang="en-US" altLang="ko-KR" dirty="0"/>
+              <a:t>.</a:t>
+            </a:r>
+          </a:p>
+          <a:p>
+            <a:endParaRPr lang="en-US" altLang="ko-KR" dirty="0"/>
+          </a:p>
+          <a:p>
             <a:r>
               <a:rPr lang="en-US" altLang="ko-KR" dirty="0"/>
               <a:t>API </a:t>
             </a:r>
             <a:r>
               <a:rPr lang="ko-KR" altLang="en-US" dirty="0"/>
-              <a:t>서버를 만들어 보겠습니다</a:t>
+              <a:t>는 </a:t>
+            </a:r>
+            <a:r>
+              <a:rPr lang="en-US" altLang="ko-KR" dirty="0"/>
+              <a:t>restful </a:t>
+            </a:r>
+            <a:r>
+              <a:rPr lang="ko-KR" altLang="en-US" dirty="0"/>
+              <a:t>하게 설계할거고</a:t>
+            </a:r>
+            <a:r>
+              <a:rPr lang="en-US" altLang="ko-KR" dirty="0"/>
+              <a:t>, </a:t>
+            </a:r>
+            <a:r>
+              <a:rPr lang="ko-KR" altLang="en-US" dirty="0"/>
+              <a:t>기능들은 모두 </a:t>
+            </a:r>
+            <a:r>
+              <a:rPr lang="en-US" altLang="ko-KR" dirty="0"/>
+              <a:t>article</a:t>
+            </a:r>
+            <a:r>
+              <a:rPr lang="ko-KR" altLang="en-US" dirty="0"/>
+              <a:t>이라는 동일한 </a:t>
+            </a:r>
+            <a:r>
+              <a:rPr lang="en-US" altLang="ko-KR" dirty="0" err="1"/>
+              <a:t>uri</a:t>
+            </a:r>
+            <a:r>
+              <a:rPr lang="ko-KR" altLang="en-US" dirty="0"/>
+              <a:t>를 갖지만 각각은 기능에 적당한 </a:t>
+            </a:r>
+            <a:r>
+              <a:rPr lang="en-US" altLang="ko-KR" dirty="0"/>
+              <a:t>method</a:t>
+            </a:r>
+            <a:r>
+              <a:rPr lang="ko-KR" altLang="en-US" dirty="0"/>
+              <a:t>로 분리됩니다</a:t>
             </a:r>
             <a:r>
               <a:rPr lang="en-US" altLang="ko-KR" dirty="0"/>
@@ -1345,13 +1717,59 @@
             </a:r>
           </a:p>
           <a:p>
+            <a:r>
+              <a:rPr lang="ko-KR" altLang="en-US" dirty="0"/>
+              <a:t>등록은 </a:t>
+            </a:r>
+            <a:r>
+              <a:rPr lang="en-US" altLang="ko-KR" dirty="0"/>
+              <a:t>post, </a:t>
+            </a:r>
+            <a:r>
+              <a:rPr lang="ko-KR" altLang="en-US" dirty="0"/>
+              <a:t>수정은 </a:t>
+            </a:r>
+            <a:r>
+              <a:rPr lang="en-US" altLang="ko-KR" dirty="0"/>
+              <a:t>put, </a:t>
+            </a:r>
+            <a:r>
+              <a:rPr lang="ko-KR" altLang="en-US" dirty="0"/>
+              <a:t>삭제는 </a:t>
+            </a:r>
+            <a:r>
+              <a:rPr lang="en-US" altLang="ko-KR" dirty="0"/>
+              <a:t>delete, </a:t>
+            </a:r>
+            <a:r>
+              <a:rPr lang="ko-KR" altLang="en-US" dirty="0"/>
+              <a:t>그리고 조회는 모두 </a:t>
+            </a:r>
+            <a:r>
+              <a:rPr lang="en-US" altLang="ko-KR" dirty="0"/>
+              <a:t>get</a:t>
+            </a:r>
+            <a:r>
+              <a:rPr lang="ko-KR" altLang="en-US" dirty="0"/>
+              <a:t>으로 정의합니다</a:t>
+            </a:r>
+            <a:r>
+              <a:rPr lang="en-US" altLang="ko-KR" dirty="0"/>
+              <a:t>.</a:t>
+            </a:r>
+          </a:p>
+          <a:p>
             <a:endParaRPr lang="en-US" altLang="ko-KR" dirty="0"/>
           </a:p>
           <a:p>
-            <a:endParaRPr lang="en-US" altLang="ko-KR" dirty="0"/>
-          </a:p>
-          <a:p>
-            <a:endParaRPr lang="en-US" altLang="ko-KR" dirty="0"/>
+            <a:r>
+              <a:rPr lang="ko-KR" altLang="en-US" dirty="0"/>
+              <a:t>각 기능들에 대한 파라미터를 이어서 살펴보겠습니다</a:t>
+            </a:r>
+            <a:r>
+              <a:rPr lang="en-US" altLang="ko-KR" dirty="0"/>
+              <a:t>.</a:t>
+            </a:r>
           </a:p>
         </p:txBody>
       </p:sp>
@@ -1603,7 +2021,10 @@
           <a:bodyPr/>
           <a:lstStyle/>
           <a:p>
-            <a:endParaRPr lang="ko-KR" altLang="en-US" dirty="0"/>
+            <a:r>
+              <a:rPr lang="ko-KR" altLang="en-US" dirty="0"/>
+              <a:t>지금부터는 동기 서비스를 본격적으로 구현해 보겠습니다</a:t>
+            </a:r>
           </a:p>
         </p:txBody>
       </p:sp>
@@ -1634,6 +2055,118 @@
     <p:extLst>
       <p:ext uri="{BB962C8B-B14F-4D97-AF65-F5344CB8AC3E}">
         <p14:creationId xmlns:p14="http://schemas.microsoft.com/office/powerpoint/2010/main" val="2672002668"/>
+      </p:ext>
+    </p:extLst>
+  </p:cSld>
+  <p:clrMapOvr>
+    <a:masterClrMapping/>
+  </p:clrMapOvr>
+</p:notes>
+</file>
+
+<file path=ppt/notesSlides/notesSlide7.xml><?xml version="1.0" encoding="utf-8"?>
+<p:notes xmlns:a="http://schemas.openxmlformats.org/drawingml/2006/main" xmlns:r="http://schemas.openxmlformats.org/officeDocument/2006/relationships" xmlns:p="http://schemas.openxmlformats.org/presentationml/2006/main">
+  <p:cSld>
+    <p:spTree>
+      <p:nvGrpSpPr>
+        <p:cNvPr id="1" name=""/>
+        <p:cNvGrpSpPr/>
+        <p:nvPr/>
+      </p:nvGrpSpPr>
+      <p:grpSpPr>
+        <a:xfrm>
+          <a:off x="0" y="0"/>
+          <a:ext cx="0" cy="0"/>
+          <a:chOff x="0" y="0"/>
+          <a:chExt cx="0" cy="0"/>
+        </a:xfrm>
+      </p:grpSpPr>
+      <p:sp>
+        <p:nvSpPr>
+          <p:cNvPr id="2" name="슬라이드 이미지 개체 틀 1"/>
+          <p:cNvSpPr>
+            <a:spLocks noGrp="1" noRot="1" noChangeAspect="1"/>
+          </p:cNvSpPr>
+          <p:nvPr>
+            <p:ph type="sldImg"/>
+          </p:nvPr>
+        </p:nvSpPr>
+        <p:spPr/>
+      </p:sp>
+      <p:sp>
+        <p:nvSpPr>
+          <p:cNvPr id="3" name="슬라이드 노트 개체 틀 2"/>
+          <p:cNvSpPr>
+            <a:spLocks noGrp="1"/>
+          </p:cNvSpPr>
+          <p:nvPr>
+            <p:ph type="body" idx="1"/>
+          </p:nvPr>
+        </p:nvSpPr>
+        <p:spPr/>
+        <p:txBody>
+          <a:bodyPr/>
+          <a:lstStyle/>
+          <a:p>
+            <a:r>
+              <a:rPr lang="ko-KR" altLang="en-US" dirty="0"/>
+              <a:t>모든 개발과정의 </a:t>
+            </a:r>
+            <a:r>
+              <a:rPr lang="ko-KR" altLang="en-US" dirty="0" err="1"/>
+              <a:t>기초죠</a:t>
+            </a:r>
+            <a:r>
+              <a:rPr lang="en-US" altLang="ko-KR" dirty="0"/>
+              <a:t>. Hello world</a:t>
+            </a:r>
+            <a:r>
+              <a:rPr lang="ko-KR" altLang="en-US" dirty="0"/>
+              <a:t>를 </a:t>
+            </a:r>
+            <a:r>
+              <a:rPr lang="en-US" altLang="ko-KR" dirty="0"/>
+              <a:t>API</a:t>
+            </a:r>
+            <a:r>
+              <a:rPr lang="ko-KR" altLang="en-US" dirty="0"/>
+              <a:t>로 구현해 보겠습니다</a:t>
+            </a:r>
+            <a:r>
+              <a:rPr lang="en-US" altLang="ko-KR" dirty="0"/>
+              <a:t>.</a:t>
+            </a:r>
+            <a:endParaRPr lang="ko-KR" altLang="en-US" dirty="0"/>
+          </a:p>
+        </p:txBody>
+      </p:sp>
+      <p:sp>
+        <p:nvSpPr>
+          <p:cNvPr id="4" name="슬라이드 번호 개체 틀 3"/>
+          <p:cNvSpPr>
+            <a:spLocks noGrp="1"/>
+          </p:cNvSpPr>
+          <p:nvPr>
+            <p:ph type="sldNum" sz="quarter" idx="5"/>
+          </p:nvPr>
+        </p:nvSpPr>
+        <p:spPr/>
+        <p:txBody>
+          <a:bodyPr/>
+          <a:lstStyle/>
+          <a:p>
+            <a:fld id="{4F243B46-72FF-4656-838A-691B9EB329E3}" type="slidenum">
+              <a:rPr lang="ko-KR" altLang="en-US" smtClean="0"/>
+              <a:t>7</a:t>
+            </a:fld>
+            <a:endParaRPr lang="ko-KR" altLang="en-US"/>
+          </a:p>
+        </p:txBody>
+      </p:sp>
+    </p:spTree>
+    <p:extLst>
+      <p:ext uri="{BB962C8B-B14F-4D97-AF65-F5344CB8AC3E}">
+        <p14:creationId xmlns:p14="http://schemas.microsoft.com/office/powerpoint/2010/main" val="3842670641"/>
       </p:ext>
     </p:extLst>
   </p:cSld>

--- a/99.ppt/[Ch4-2. 동기 서비스 구현 (Spring MVC)].pptx
+++ b/99.ppt/[Ch4-2. 동기 서비스 구현 (Spring MVC)].pptx
@@ -216,7 +216,7 @@
           <a:p>
             <a:fld id="{9B770909-2C76-4DF9-BB76-4EE283593418}" type="datetimeFigureOut">
               <a:rPr lang="ko-KR" altLang="en-US" smtClean="0"/>
-              <a:t>2023-07-14</a:t>
+              <a:t>2023-07-17</a:t>
             </a:fld>
             <a:endParaRPr lang="ko-KR" altLang="en-US"/>
           </a:p>
@@ -3742,14 +3742,14 @@
           <a:lstStyle/>
           <a:p>
             <a:r>
-              <a:rPr lang="ko-KR" altLang="en-US" dirty="0"/>
+              <a:rPr lang="ko-KR" altLang="en-US" b="1" dirty="0"/>
               <a:t>동기 서비스 구현 </a:t>
             </a:r>
             <a:r>
-              <a:rPr lang="en-US" altLang="ko-KR" sz="2000" dirty="0"/>
+              <a:rPr lang="en-US" altLang="ko-KR" sz="2000" b="1" dirty="0"/>
               <a:t>(Spring MVC)</a:t>
             </a:r>
-            <a:endParaRPr lang="ko-KR" altLang="en-US" dirty="0"/>
+            <a:endParaRPr lang="ko-KR" altLang="en-US" b="1" dirty="0"/>
           </a:p>
         </p:txBody>
       </p:sp>
@@ -5070,14 +5070,14 @@
           <a:lstStyle/>
           <a:p>
             <a:r>
-              <a:rPr lang="ko-KR" altLang="en-US" dirty="0"/>
+              <a:rPr lang="ko-KR" altLang="en-US" b="1" dirty="0"/>
               <a:t>동기 서비스 구현 </a:t>
             </a:r>
             <a:r>
-              <a:rPr lang="en-US" altLang="ko-KR" sz="2000" dirty="0"/>
+              <a:rPr lang="en-US" altLang="ko-KR" sz="2000" b="1" dirty="0"/>
               <a:t>(Spring MVC)</a:t>
             </a:r>
-            <a:endParaRPr lang="ko-KR" altLang="en-US" dirty="0"/>
+            <a:endParaRPr lang="ko-KR" altLang="en-US" b="1" dirty="0"/>
           </a:p>
         </p:txBody>
       </p:sp>

--- a/99.ppt/[Ch4-2. 동기 서비스 구현 (Spring MVC)].pptx
+++ b/99.ppt/[Ch4-2. 동기 서비스 구현 (Spring MVC)].pptx
@@ -5,18 +5,17 @@
     <p:sldMasterId id="2147483665" r:id="rId1"/>
   </p:sldMasterIdLst>
   <p:notesMasterIdLst>
-    <p:notesMasterId r:id="rId11"/>
+    <p:notesMasterId r:id="rId10"/>
   </p:notesMasterIdLst>
   <p:sldIdLst>
     <p:sldId id="256" r:id="rId2"/>
     <p:sldId id="258" r:id="rId3"/>
     <p:sldId id="262" r:id="rId4"/>
-    <p:sldId id="263" r:id="rId5"/>
-    <p:sldId id="264" r:id="rId6"/>
-    <p:sldId id="265" r:id="rId7"/>
-    <p:sldId id="267" r:id="rId8"/>
-    <p:sldId id="268" r:id="rId9"/>
-    <p:sldId id="269" r:id="rId10"/>
+    <p:sldId id="264" r:id="rId5"/>
+    <p:sldId id="265" r:id="rId6"/>
+    <p:sldId id="267" r:id="rId7"/>
+    <p:sldId id="268" r:id="rId8"/>
+    <p:sldId id="269" r:id="rId9"/>
   </p:sldIdLst>
   <p:sldSz cx="9144000" cy="5143500" type="screen16x9"/>
   <p:notesSz cx="6858000" cy="9144000"/>
@@ -216,7 +215,7 @@
           <a:p>
             <a:fld id="{9B770909-2C76-4DF9-BB76-4EE283593418}" type="datetimeFigureOut">
               <a:rPr lang="ko-KR" altLang="en-US" smtClean="0"/>
-              <a:t>2023-07-17</a:t>
+              <a:t>2023-07-20</a:t>
             </a:fld>
             <a:endParaRPr lang="ko-KR" altLang="en-US"/>
           </a:p>
@@ -1883,7 +1882,7 @@
     </p:spTree>
     <p:extLst>
       <p:ext uri="{BB962C8B-B14F-4D97-AF65-F5344CB8AC3E}">
-        <p14:creationId xmlns:p14="http://schemas.microsoft.com/office/powerpoint/2010/main" val="679702126"/>
+        <p14:creationId xmlns:p14="http://schemas.microsoft.com/office/powerpoint/2010/main" val="3800460661"/>
       </p:ext>
     </p:extLst>
   </p:cSld>
@@ -1937,7 +1936,10 @@
           <a:bodyPr/>
           <a:lstStyle/>
           <a:p>
-            <a:endParaRPr lang="en-US" altLang="ko-KR" dirty="0"/>
+            <a:r>
+              <a:rPr lang="ko-KR" altLang="en-US" dirty="0"/>
+              <a:t>지금부터는 동기 서비스를 본격적으로 구현해 보겠습니다</a:t>
+            </a:r>
           </a:p>
         </p:txBody>
       </p:sp>
@@ -1967,7 +1969,7 @@
     </p:spTree>
     <p:extLst>
       <p:ext uri="{BB962C8B-B14F-4D97-AF65-F5344CB8AC3E}">
-        <p14:creationId xmlns:p14="http://schemas.microsoft.com/office/powerpoint/2010/main" val="3800460661"/>
+        <p14:creationId xmlns:p14="http://schemas.microsoft.com/office/powerpoint/2010/main" val="2672002668"/>
       </p:ext>
     </p:extLst>
   </p:cSld>
@@ -2023,8 +2025,33 @@
           <a:p>
             <a:r>
               <a:rPr lang="ko-KR" altLang="en-US" dirty="0"/>
-              <a:t>지금부터는 동기 서비스를 본격적으로 구현해 보겠습니다</a:t>
-            </a:r>
+              <a:t>모든 개발과정의 </a:t>
+            </a:r>
+            <a:r>
+              <a:rPr lang="ko-KR" altLang="en-US" dirty="0" err="1"/>
+              <a:t>기초죠</a:t>
+            </a:r>
+            <a:r>
+              <a:rPr lang="en-US" altLang="ko-KR" dirty="0"/>
+              <a:t>. Hello world</a:t>
+            </a:r>
+            <a:r>
+              <a:rPr lang="ko-KR" altLang="en-US" dirty="0"/>
+              <a:t>를 </a:t>
+            </a:r>
+            <a:r>
+              <a:rPr lang="en-US" altLang="ko-KR" dirty="0"/>
+              <a:t>API</a:t>
+            </a:r>
+            <a:r>
+              <a:rPr lang="ko-KR" altLang="en-US" dirty="0"/>
+              <a:t>로 구현해 보겠습니다</a:t>
+            </a:r>
+            <a:r>
+              <a:rPr lang="en-US" altLang="ko-KR" dirty="0"/>
+              <a:t>.</a:t>
+            </a:r>
+            <a:endParaRPr lang="ko-KR" altLang="en-US" dirty="0"/>
           </a:p>
         </p:txBody>
       </p:sp>
@@ -2046,118 +2073,6 @@
             <a:fld id="{4F243B46-72FF-4656-838A-691B9EB329E3}" type="slidenum">
               <a:rPr lang="ko-KR" altLang="en-US" smtClean="0"/>
               <a:t>6</a:t>
-            </a:fld>
-            <a:endParaRPr lang="ko-KR" altLang="en-US"/>
-          </a:p>
-        </p:txBody>
-      </p:sp>
-    </p:spTree>
-    <p:extLst>
-      <p:ext uri="{BB962C8B-B14F-4D97-AF65-F5344CB8AC3E}">
-        <p14:creationId xmlns:p14="http://schemas.microsoft.com/office/powerpoint/2010/main" val="2672002668"/>
-      </p:ext>
-    </p:extLst>
-  </p:cSld>
-  <p:clrMapOvr>
-    <a:masterClrMapping/>
-  </p:clrMapOvr>
-</p:notes>
-</file>
-
-<file path=ppt/notesSlides/notesSlide7.xml><?xml version="1.0" encoding="utf-8"?>
-<p:notes xmlns:a="http://schemas.openxmlformats.org/drawingml/2006/main" xmlns:r="http://schemas.openxmlformats.org/officeDocument/2006/relationships" xmlns:p="http://schemas.openxmlformats.org/presentationml/2006/main">
-  <p:cSld>
-    <p:spTree>
-      <p:nvGrpSpPr>
-        <p:cNvPr id="1" name=""/>
-        <p:cNvGrpSpPr/>
-        <p:nvPr/>
-      </p:nvGrpSpPr>
-      <p:grpSpPr>
-        <a:xfrm>
-          <a:off x="0" y="0"/>
-          <a:ext cx="0" cy="0"/>
-          <a:chOff x="0" y="0"/>
-          <a:chExt cx="0" cy="0"/>
-        </a:xfrm>
-      </p:grpSpPr>
-      <p:sp>
-        <p:nvSpPr>
-          <p:cNvPr id="2" name="슬라이드 이미지 개체 틀 1"/>
-          <p:cNvSpPr>
-            <a:spLocks noGrp="1" noRot="1" noChangeAspect="1"/>
-          </p:cNvSpPr>
-          <p:nvPr>
-            <p:ph type="sldImg"/>
-          </p:nvPr>
-        </p:nvSpPr>
-        <p:spPr/>
-      </p:sp>
-      <p:sp>
-        <p:nvSpPr>
-          <p:cNvPr id="3" name="슬라이드 노트 개체 틀 2"/>
-          <p:cNvSpPr>
-            <a:spLocks noGrp="1"/>
-          </p:cNvSpPr>
-          <p:nvPr>
-            <p:ph type="body" idx="1"/>
-          </p:nvPr>
-        </p:nvSpPr>
-        <p:spPr/>
-        <p:txBody>
-          <a:bodyPr/>
-          <a:lstStyle/>
-          <a:p>
-            <a:r>
-              <a:rPr lang="ko-KR" altLang="en-US" dirty="0"/>
-              <a:t>모든 개발과정의 </a:t>
-            </a:r>
-            <a:r>
-              <a:rPr lang="ko-KR" altLang="en-US" dirty="0" err="1"/>
-              <a:t>기초죠</a:t>
-            </a:r>
-            <a:r>
-              <a:rPr lang="en-US" altLang="ko-KR" dirty="0"/>
-              <a:t>. Hello world</a:t>
-            </a:r>
-            <a:r>
-              <a:rPr lang="ko-KR" altLang="en-US" dirty="0"/>
-              <a:t>를 </a:t>
-            </a:r>
-            <a:r>
-              <a:rPr lang="en-US" altLang="ko-KR" dirty="0"/>
-              <a:t>API</a:t>
-            </a:r>
-            <a:r>
-              <a:rPr lang="ko-KR" altLang="en-US" dirty="0"/>
-              <a:t>로 구현해 보겠습니다</a:t>
-            </a:r>
-            <a:r>
-              <a:rPr lang="en-US" altLang="ko-KR" dirty="0"/>
-              <a:t>.</a:t>
-            </a:r>
-            <a:endParaRPr lang="ko-KR" altLang="en-US" dirty="0"/>
-          </a:p>
-        </p:txBody>
-      </p:sp>
-      <p:sp>
-        <p:nvSpPr>
-          <p:cNvPr id="4" name="슬라이드 번호 개체 틀 3"/>
-          <p:cNvSpPr>
-            <a:spLocks noGrp="1"/>
-          </p:cNvSpPr>
-          <p:nvPr>
-            <p:ph type="sldNum" sz="quarter" idx="5"/>
-          </p:nvPr>
-        </p:nvSpPr>
-        <p:spPr/>
-        <p:txBody>
-          <a:bodyPr/>
-          <a:lstStyle/>
-          <a:p>
-            <a:fld id="{4F243B46-72FF-4656-838A-691B9EB329E3}" type="slidenum">
-              <a:rPr lang="ko-KR" altLang="en-US" smtClean="0"/>
-              <a:t>7</a:t>
             </a:fld>
             <a:endParaRPr lang="ko-KR" altLang="en-US"/>
           </a:p>
@@ -4538,253 +4453,6 @@
               <a:buNone/>
             </a:pPr>
             <a:r>
-              <a:rPr lang="ko-KR" altLang="en-US" dirty="0"/>
-              <a:t>개발환경</a:t>
-            </a:r>
-            <a:endParaRPr lang="en-US" altLang="ko-KR" dirty="0"/>
-          </a:p>
-          <a:p>
-            <a:pPr lvl="1"/>
-            <a:r>
-              <a:rPr lang="en-US" altLang="ko-KR" dirty="0"/>
-              <a:t>IntelliJ community edition</a:t>
-            </a:r>
-          </a:p>
-          <a:p>
-            <a:pPr lvl="2"/>
-            <a:r>
-              <a:rPr lang="en-US" altLang="ko-KR" dirty="0">
-                <a:effectLst/>
-                <a:hlinkClick r:id="rId3"/>
-              </a:rPr>
-              <a:t>https://www.jetbrains.com/idea/download</a:t>
-            </a:r>
-            <a:endParaRPr lang="en-US" altLang="ko-KR" dirty="0">
-              <a:solidFill>
-                <a:srgbClr val="53585F"/>
-              </a:solidFill>
-            </a:endParaRPr>
-          </a:p>
-        </p:txBody>
-      </p:sp>
-      <p:sp>
-        <p:nvSpPr>
-          <p:cNvPr id="7" name="Google Shape;209;p30">
-            <a:extLst>
-              <a:ext uri="{FF2B5EF4-FFF2-40B4-BE49-F238E27FC236}">
-                <a16:creationId xmlns:a16="http://schemas.microsoft.com/office/drawing/2014/main" id="{35F3E219-4EBB-8DE8-0966-E4317399395E}"/>
-              </a:ext>
-            </a:extLst>
-          </p:cNvPr>
-          <p:cNvSpPr/>
-          <p:nvPr/>
-        </p:nvSpPr>
-        <p:spPr>
-          <a:xfrm>
-            <a:off x="7811013" y="528014"/>
-            <a:ext cx="952500" cy="298200"/>
-          </a:xfrm>
-          <a:prstGeom prst="rect">
-            <a:avLst/>
-          </a:prstGeom>
-          <a:noFill/>
-          <a:ln>
-            <a:noFill/>
-          </a:ln>
-        </p:spPr>
-        <p:txBody>
-          <a:bodyPr spcFirstLastPara="1" wrap="square" lIns="19050" tIns="19050" rIns="19050" bIns="19050" anchor="t" anchorCtr="0">
-            <a:noAutofit/>
-          </a:bodyPr>
-          <a:lstStyle/>
-          <a:p>
-            <a:pPr marL="63500" marR="0" lvl="1" indent="0" algn="l" rtl="0">
-              <a:lnSpc>
-                <a:spcPct val="90000"/>
-              </a:lnSpc>
-              <a:spcBef>
-                <a:spcPts val="0"/>
-              </a:spcBef>
-              <a:spcAft>
-                <a:spcPts val="0"/>
-              </a:spcAft>
-              <a:buNone/>
-            </a:pPr>
-            <a:r>
-              <a:rPr lang="en-US" altLang="ko" sz="1200" b="1" i="0" u="none" strike="noStrike" cap="none" dirty="0">
-                <a:solidFill>
-                  <a:schemeClr val="bg1"/>
-                </a:solidFill>
-                <a:latin typeface="Arial"/>
-                <a:ea typeface="Arial"/>
-                <a:cs typeface="Arial"/>
-                <a:sym typeface="Arial"/>
-              </a:rPr>
-              <a:t>1</a:t>
-            </a:r>
-            <a:r>
-              <a:rPr lang="ko" sz="1200" b="1" i="0" u="none" strike="noStrike" cap="none" dirty="0">
-                <a:solidFill>
-                  <a:schemeClr val="bg1"/>
-                </a:solidFill>
-                <a:latin typeface="Arial"/>
-                <a:ea typeface="Arial"/>
-                <a:cs typeface="Arial"/>
-                <a:sym typeface="Arial"/>
-              </a:rPr>
-              <a:t>.</a:t>
-            </a:r>
-            <a:endParaRPr sz="500" dirty="0">
-              <a:solidFill>
-                <a:schemeClr val="bg1"/>
-              </a:solidFill>
-            </a:endParaRPr>
-          </a:p>
-        </p:txBody>
-      </p:sp>
-      <p:sp>
-        <p:nvSpPr>
-          <p:cNvPr id="8" name="Google Shape;210;p30">
-            <a:extLst>
-              <a:ext uri="{FF2B5EF4-FFF2-40B4-BE49-F238E27FC236}">
-                <a16:creationId xmlns:a16="http://schemas.microsoft.com/office/drawing/2014/main" id="{8CB63A74-B5C7-DCAA-53F5-96E44004D694}"/>
-              </a:ext>
-            </a:extLst>
-          </p:cNvPr>
-          <p:cNvSpPr/>
-          <p:nvPr/>
-        </p:nvSpPr>
-        <p:spPr>
-          <a:xfrm>
-            <a:off x="7811013" y="825047"/>
-            <a:ext cx="952500" cy="293400"/>
-          </a:xfrm>
-          <a:prstGeom prst="rect">
-            <a:avLst/>
-          </a:prstGeom>
-          <a:noFill/>
-          <a:ln>
-            <a:noFill/>
-          </a:ln>
-        </p:spPr>
-        <p:txBody>
-          <a:bodyPr spcFirstLastPara="1" wrap="square" lIns="19050" tIns="19050" rIns="19050" bIns="19050" anchor="t" anchorCtr="0">
-            <a:noAutofit/>
-          </a:bodyPr>
-          <a:lstStyle/>
-          <a:p>
-            <a:pPr marL="63500" marR="0" lvl="1" indent="0" algn="l" rtl="0">
-              <a:spcBef>
-                <a:spcPts val="200"/>
-              </a:spcBef>
-              <a:spcAft>
-                <a:spcPts val="0"/>
-              </a:spcAft>
-              <a:buClr>
-                <a:srgbClr val="000000"/>
-              </a:buClr>
-              <a:buFont typeface="Arial"/>
-              <a:buNone/>
-            </a:pPr>
-            <a:r>
-              <a:rPr lang="ko-KR" altLang="en-US" sz="800" dirty="0">
-                <a:solidFill>
-                  <a:schemeClr val="bg1"/>
-                </a:solidFill>
-              </a:rPr>
-              <a:t>소개 및 환경구성</a:t>
-            </a:r>
-            <a:endParaRPr sz="800" dirty="0">
-              <a:solidFill>
-                <a:schemeClr val="bg1"/>
-              </a:solidFill>
-            </a:endParaRPr>
-          </a:p>
-        </p:txBody>
-      </p:sp>
-    </p:spTree>
-    <p:extLst>
-      <p:ext uri="{BB962C8B-B14F-4D97-AF65-F5344CB8AC3E}">
-        <p14:creationId xmlns:p14="http://schemas.microsoft.com/office/powerpoint/2010/main" val="1541318918"/>
-      </p:ext>
-    </p:extLst>
-  </p:cSld>
-  <p:clrMapOvr>
-    <a:masterClrMapping/>
-  </p:clrMapOvr>
-</p:sld>
-</file>
-
-<file path=ppt/slides/slide5.xml><?xml version="1.0" encoding="utf-8"?>
-<p:sld xmlns:a="http://schemas.openxmlformats.org/drawingml/2006/main" xmlns:r="http://schemas.openxmlformats.org/officeDocument/2006/relationships" xmlns:p="http://schemas.openxmlformats.org/presentationml/2006/main">
-  <p:cSld>
-    <p:spTree>
-      <p:nvGrpSpPr>
-        <p:cNvPr id="1" name=""/>
-        <p:cNvGrpSpPr/>
-        <p:nvPr/>
-      </p:nvGrpSpPr>
-      <p:grpSpPr>
-        <a:xfrm>
-          <a:off x="0" y="0"/>
-          <a:ext cx="0" cy="0"/>
-          <a:chOff x="0" y="0"/>
-          <a:chExt cx="0" cy="0"/>
-        </a:xfrm>
-      </p:grpSpPr>
-      <p:sp>
-        <p:nvSpPr>
-          <p:cNvPr id="2" name="제목 1">
-            <a:extLst>
-              <a:ext uri="{FF2B5EF4-FFF2-40B4-BE49-F238E27FC236}">
-                <a16:creationId xmlns:a16="http://schemas.microsoft.com/office/drawing/2014/main" id="{D21C1AA9-5E52-3A11-B3B3-447787E29D09}"/>
-              </a:ext>
-            </a:extLst>
-          </p:cNvPr>
-          <p:cNvSpPr>
-            <a:spLocks noGrp="1"/>
-          </p:cNvSpPr>
-          <p:nvPr>
-            <p:ph type="title"/>
-          </p:nvPr>
-        </p:nvSpPr>
-        <p:spPr/>
-        <p:txBody>
-          <a:bodyPr/>
-          <a:lstStyle/>
-          <a:p>
-            <a:r>
-              <a:rPr lang="ko-KR" altLang="en-US" dirty="0"/>
-              <a:t>구현내용 및 개발환경 구성</a:t>
-            </a:r>
-          </a:p>
-        </p:txBody>
-      </p:sp>
-      <p:sp>
-        <p:nvSpPr>
-          <p:cNvPr id="4" name="내용 개체 틀 3">
-            <a:extLst>
-              <a:ext uri="{FF2B5EF4-FFF2-40B4-BE49-F238E27FC236}">
-                <a16:creationId xmlns:a16="http://schemas.microsoft.com/office/drawing/2014/main" id="{42F6317C-F28B-ECBE-0810-17736FC7D8AB}"/>
-              </a:ext>
-            </a:extLst>
-          </p:cNvPr>
-          <p:cNvSpPr>
-            <a:spLocks noGrp="1"/>
-          </p:cNvSpPr>
-          <p:nvPr>
-            <p:ph idx="1"/>
-          </p:nvPr>
-        </p:nvSpPr>
-        <p:spPr/>
-        <p:txBody>
-          <a:bodyPr/>
-          <a:lstStyle/>
-          <a:p>
-            <a:pPr marL="0" indent="0">
-              <a:buNone/>
-            </a:pPr>
-            <a:r>
               <a:rPr lang="en-US" altLang="ko-KR" dirty="0"/>
               <a:t>Spring </a:t>
             </a:r>
@@ -5029,6 +4697,120 @@
 </p:sld>
 </file>
 
+<file path=ppt/slides/slide5.xml><?xml version="1.0" encoding="utf-8"?>
+<p:sld xmlns:a="http://schemas.openxmlformats.org/drawingml/2006/main" xmlns:r="http://schemas.openxmlformats.org/officeDocument/2006/relationships" xmlns:p="http://schemas.openxmlformats.org/presentationml/2006/main">
+  <p:cSld>
+    <p:spTree>
+      <p:nvGrpSpPr>
+        <p:cNvPr id="1" name=""/>
+        <p:cNvGrpSpPr/>
+        <p:nvPr/>
+      </p:nvGrpSpPr>
+      <p:grpSpPr>
+        <a:xfrm>
+          <a:off x="0" y="0"/>
+          <a:ext cx="0" cy="0"/>
+          <a:chOff x="0" y="0"/>
+          <a:chExt cx="0" cy="0"/>
+        </a:xfrm>
+      </p:grpSpPr>
+      <p:sp>
+        <p:nvSpPr>
+          <p:cNvPr id="2" name="제목 1">
+            <a:extLst>
+              <a:ext uri="{FF2B5EF4-FFF2-40B4-BE49-F238E27FC236}">
+                <a16:creationId xmlns:a16="http://schemas.microsoft.com/office/drawing/2014/main" id="{9896B29B-A1AE-E0C6-8543-753E63140B1C}"/>
+              </a:ext>
+            </a:extLst>
+          </p:cNvPr>
+          <p:cNvSpPr>
+            <a:spLocks noGrp="1"/>
+          </p:cNvSpPr>
+          <p:nvPr>
+            <p:ph type="ctrTitle"/>
+          </p:nvPr>
+        </p:nvSpPr>
+        <p:spPr/>
+        <p:txBody>
+          <a:bodyPr>
+            <a:normAutofit/>
+          </a:bodyPr>
+          <a:lstStyle/>
+          <a:p>
+            <a:r>
+              <a:rPr lang="ko-KR" altLang="en-US" b="1" dirty="0"/>
+              <a:t>동기 서비스 구현 </a:t>
+            </a:r>
+            <a:r>
+              <a:rPr lang="en-US" altLang="ko-KR" sz="2000" b="1" dirty="0"/>
+              <a:t>(Spring MVC)</a:t>
+            </a:r>
+            <a:endParaRPr lang="ko-KR" altLang="en-US" b="1" dirty="0"/>
+          </a:p>
+        </p:txBody>
+      </p:sp>
+      <p:sp>
+        <p:nvSpPr>
+          <p:cNvPr id="4" name="부제목 3">
+            <a:extLst>
+              <a:ext uri="{FF2B5EF4-FFF2-40B4-BE49-F238E27FC236}">
+                <a16:creationId xmlns:a16="http://schemas.microsoft.com/office/drawing/2014/main" id="{7219E4B9-47F6-C7CA-B046-1256225C3574}"/>
+              </a:ext>
+            </a:extLst>
+          </p:cNvPr>
+          <p:cNvSpPr>
+            <a:spLocks noGrp="1"/>
+          </p:cNvSpPr>
+          <p:nvPr>
+            <p:ph type="subTitle" idx="1"/>
+          </p:nvPr>
+        </p:nvSpPr>
+        <p:spPr/>
+        <p:txBody>
+          <a:bodyPr>
+            <a:normAutofit/>
+          </a:bodyPr>
+          <a:lstStyle/>
+          <a:p>
+            <a:pPr marL="0" indent="0" algn="r">
+              <a:buNone/>
+            </a:pPr>
+            <a:r>
+              <a:rPr lang="en-US" altLang="ko" b="1" dirty="0">
+                <a:solidFill>
+                  <a:srgbClr val="ED234B"/>
+                </a:solidFill>
+              </a:rPr>
+              <a:t>2</a:t>
+            </a:r>
+            <a:r>
+              <a:rPr lang="ko" altLang="ko-KR" b="1" dirty="0">
+                <a:solidFill>
+                  <a:srgbClr val="ED234B"/>
+                </a:solidFill>
+              </a:rPr>
+              <a:t> </a:t>
+            </a:r>
+            <a:r>
+              <a:rPr lang="ko-KR" altLang="en-US" dirty="0"/>
+              <a:t>서비스 구현</a:t>
+            </a:r>
+          </a:p>
+        </p:txBody>
+      </p:sp>
+    </p:spTree>
+    <p:extLst>
+      <p:ext uri="{BB962C8B-B14F-4D97-AF65-F5344CB8AC3E}">
+        <p14:creationId xmlns:p14="http://schemas.microsoft.com/office/powerpoint/2010/main" val="2984680853"/>
+      </p:ext>
+    </p:extLst>
+  </p:cSld>
+  <p:clrMapOvr>
+    <a:masterClrMapping/>
+  </p:clrMapOvr>
+</p:sld>
+</file>
+
 <file path=ppt/slides/slide6.xml><?xml version="1.0" encoding="utf-8"?>
 <p:sld xmlns:a="http://schemas.openxmlformats.org/drawingml/2006/main" xmlns:r="http://schemas.openxmlformats.org/officeDocument/2006/relationships" xmlns:p="http://schemas.openxmlformats.org/presentationml/2006/main">
   <p:cSld>
@@ -5048,10 +4830,10 @@
       </p:grpSpPr>
       <p:sp>
         <p:nvSpPr>
-          <p:cNvPr id="2" name="제목 1">
+          <p:cNvPr id="4" name="제목 3">
             <a:extLst>
               <a:ext uri="{FF2B5EF4-FFF2-40B4-BE49-F238E27FC236}">
-                <a16:creationId xmlns:a16="http://schemas.microsoft.com/office/drawing/2014/main" id="{9896B29B-A1AE-E0C6-8543-753E63140B1C}"/>
+                <a16:creationId xmlns:a16="http://schemas.microsoft.com/office/drawing/2014/main" id="{D283F7C5-AF5C-DEEF-FC15-4B59CEF592DE}"/>
               </a:ext>
             </a:extLst>
           </p:cNvPr>
@@ -5064,29 +4846,22 @@
         </p:nvSpPr>
         <p:spPr/>
         <p:txBody>
-          <a:bodyPr>
-            <a:normAutofit/>
-          </a:bodyPr>
+          <a:bodyPr/>
           <a:lstStyle/>
           <a:p>
             <a:r>
-              <a:rPr lang="ko-KR" altLang="en-US" b="1" dirty="0"/>
-              <a:t>동기 서비스 구현 </a:t>
-            </a:r>
-            <a:r>
-              <a:rPr lang="en-US" altLang="ko-KR" sz="2000" b="1" dirty="0"/>
-              <a:t>(Spring MVC)</a:t>
-            </a:r>
-            <a:endParaRPr lang="ko-KR" altLang="en-US" b="1" dirty="0"/>
-          </a:p>
-        </p:txBody>
-      </p:sp>
-      <p:sp>
-        <p:nvSpPr>
-          <p:cNvPr id="4" name="부제목 3">
+              <a:rPr lang="ko-KR" altLang="en-US" dirty="0"/>
+              <a:t>구현 실습</a:t>
+            </a:r>
+          </a:p>
+        </p:txBody>
+      </p:sp>
+      <p:sp>
+        <p:nvSpPr>
+          <p:cNvPr id="5" name="부제목 4">
             <a:extLst>
               <a:ext uri="{FF2B5EF4-FFF2-40B4-BE49-F238E27FC236}">
-                <a16:creationId xmlns:a16="http://schemas.microsoft.com/office/drawing/2014/main" id="{7219E4B9-47F6-C7CA-B046-1256225C3574}"/>
+                <a16:creationId xmlns:a16="http://schemas.microsoft.com/office/drawing/2014/main" id="{C884C73A-BBA1-E6A6-DDF5-9A946E28E963}"/>
               </a:ext>
             </a:extLst>
           </p:cNvPr>
@@ -5099,33 +4874,23 @@
         </p:nvSpPr>
         <p:spPr/>
         <p:txBody>
-          <a:bodyPr>
-            <a:normAutofit/>
-          </a:bodyPr>
+          <a:bodyPr/>
           <a:lstStyle/>
           <a:p>
             <a:pPr marL="0" indent="0" algn="r">
               <a:buNone/>
             </a:pPr>
             <a:r>
-              <a:rPr lang="en-US" altLang="ko" b="1" dirty="0">
-                <a:solidFill>
-                  <a:srgbClr val="ED234B"/>
-                </a:solidFill>
-              </a:rPr>
-              <a:t>2</a:t>
-            </a:r>
-            <a:r>
-              <a:rPr lang="ko" altLang="ko-KR" b="1" dirty="0">
-                <a:solidFill>
-                  <a:srgbClr val="ED234B"/>
-                </a:solidFill>
-              </a:rPr>
-              <a:t> </a:t>
-            </a:r>
-            <a:r>
-              <a:rPr lang="ko-KR" altLang="en-US" dirty="0"/>
-              <a:t>서비스 구현</a:t>
+              <a:rPr lang="en-US" altLang="ko-KR" dirty="0"/>
+              <a:t>Hello world </a:t>
+            </a:r>
+            <a:r>
+              <a:rPr lang="en-US" altLang="ko-KR"/>
+              <a:t>API </a:t>
+            </a:r>
+            <a:r>
+              <a:rPr lang="ko-KR" altLang="en-US" dirty="0"/>
+              <a:t>구현</a:t>
             </a:r>
           </a:p>
         </p:txBody>
@@ -5133,7 +4898,7 @@
     </p:spTree>
     <p:extLst>
       <p:ext uri="{BB962C8B-B14F-4D97-AF65-F5344CB8AC3E}">
-        <p14:creationId xmlns:p14="http://schemas.microsoft.com/office/powerpoint/2010/main" val="2984680853"/>
+        <p14:creationId xmlns:p14="http://schemas.microsoft.com/office/powerpoint/2010/main" val="2848712885"/>
       </p:ext>
     </p:extLst>
   </p:cSld>
@@ -5214,103 +4979,6 @@
             </a:pPr>
             <a:r>
               <a:rPr lang="en-US" altLang="ko-KR" dirty="0"/>
-              <a:t>Hello world </a:t>
-            </a:r>
-            <a:r>
-              <a:rPr lang="en-US" altLang="ko-KR"/>
-              <a:t>API </a:t>
-            </a:r>
-            <a:r>
-              <a:rPr lang="ko-KR" altLang="en-US" dirty="0"/>
-              <a:t>구현</a:t>
-            </a:r>
-          </a:p>
-        </p:txBody>
-      </p:sp>
-    </p:spTree>
-    <p:extLst>
-      <p:ext uri="{BB962C8B-B14F-4D97-AF65-F5344CB8AC3E}">
-        <p14:creationId xmlns:p14="http://schemas.microsoft.com/office/powerpoint/2010/main" val="2848712885"/>
-      </p:ext>
-    </p:extLst>
-  </p:cSld>
-  <p:clrMapOvr>
-    <a:masterClrMapping/>
-  </p:clrMapOvr>
-</p:sld>
-</file>
-
-<file path=ppt/slides/slide8.xml><?xml version="1.0" encoding="utf-8"?>
-<p:sld xmlns:a="http://schemas.openxmlformats.org/drawingml/2006/main" xmlns:r="http://schemas.openxmlformats.org/officeDocument/2006/relationships" xmlns:p="http://schemas.openxmlformats.org/presentationml/2006/main">
-  <p:cSld>
-    <p:spTree>
-      <p:nvGrpSpPr>
-        <p:cNvPr id="1" name=""/>
-        <p:cNvGrpSpPr/>
-        <p:nvPr/>
-      </p:nvGrpSpPr>
-      <p:grpSpPr>
-        <a:xfrm>
-          <a:off x="0" y="0"/>
-          <a:ext cx="0" cy="0"/>
-          <a:chOff x="0" y="0"/>
-          <a:chExt cx="0" cy="0"/>
-        </a:xfrm>
-      </p:grpSpPr>
-      <p:sp>
-        <p:nvSpPr>
-          <p:cNvPr id="4" name="제목 3">
-            <a:extLst>
-              <a:ext uri="{FF2B5EF4-FFF2-40B4-BE49-F238E27FC236}">
-                <a16:creationId xmlns:a16="http://schemas.microsoft.com/office/drawing/2014/main" id="{D283F7C5-AF5C-DEEF-FC15-4B59CEF592DE}"/>
-              </a:ext>
-            </a:extLst>
-          </p:cNvPr>
-          <p:cNvSpPr>
-            <a:spLocks noGrp="1"/>
-          </p:cNvSpPr>
-          <p:nvPr>
-            <p:ph type="ctrTitle"/>
-          </p:nvPr>
-        </p:nvSpPr>
-        <p:spPr/>
-        <p:txBody>
-          <a:bodyPr/>
-          <a:lstStyle/>
-          <a:p>
-            <a:r>
-              <a:rPr lang="ko-KR" altLang="en-US" dirty="0"/>
-              <a:t>구현 실습</a:t>
-            </a:r>
-          </a:p>
-        </p:txBody>
-      </p:sp>
-      <p:sp>
-        <p:nvSpPr>
-          <p:cNvPr id="5" name="부제목 4">
-            <a:extLst>
-              <a:ext uri="{FF2B5EF4-FFF2-40B4-BE49-F238E27FC236}">
-                <a16:creationId xmlns:a16="http://schemas.microsoft.com/office/drawing/2014/main" id="{C884C73A-BBA1-E6A6-DDF5-9A946E28E963}"/>
-              </a:ext>
-            </a:extLst>
-          </p:cNvPr>
-          <p:cNvSpPr>
-            <a:spLocks noGrp="1"/>
-          </p:cNvSpPr>
-          <p:nvPr>
-            <p:ph type="subTitle" idx="1"/>
-          </p:nvPr>
-        </p:nvSpPr>
-        <p:spPr/>
-        <p:txBody>
-          <a:bodyPr/>
-          <a:lstStyle/>
-          <a:p>
-            <a:pPr marL="0" indent="0" algn="r">
-              <a:buNone/>
-            </a:pPr>
-            <a:r>
-              <a:rPr lang="en-US" altLang="ko-KR" dirty="0"/>
               <a:t>CRUD </a:t>
             </a:r>
             <a:r>
@@ -5333,7 +5001,7 @@
 </p:sld>
 </file>
 
-<file path=ppt/slides/slide9.xml><?xml version="1.0" encoding="utf-8"?>
+<file path=ppt/slides/slide8.xml><?xml version="1.0" encoding="utf-8"?>
 <p:sld xmlns:a="http://schemas.openxmlformats.org/drawingml/2006/main" xmlns:r="http://schemas.openxmlformats.org/officeDocument/2006/relationships" xmlns:p="http://schemas.openxmlformats.org/presentationml/2006/main">
   <p:cSld>
     <p:spTree>

--- a/99.ppt/[Ch4-2. 동기 서비스 구현 (Spring MVC)].pptx
+++ b/99.ppt/[Ch4-2. 동기 서비스 구현 (Spring MVC)].pptx
@@ -215,7 +215,7 @@
           <a:p>
             <a:fld id="{9B770909-2C76-4DF9-BB76-4EE283593418}" type="datetimeFigureOut">
               <a:rPr lang="ko-KR" altLang="en-US" smtClean="0"/>
-              <a:t>2023-07-20</a:t>
+              <a:t>2023-08-01</a:t>
             </a:fld>
             <a:endParaRPr lang="ko-KR" altLang="en-US"/>
           </a:p>
@@ -1770,6 +1770,43 @@
               <a:t>.</a:t>
             </a:r>
           </a:p>
+          <a:p>
+            <a:endParaRPr lang="en-US" altLang="ko-KR" dirty="0"/>
+          </a:p>
+          <a:p>
+            <a:pPr marL="0" marR="0" lvl="0" indent="0" algn="l" defTabSz="685800" rtl="0" eaLnBrk="1" fontAlgn="auto" latinLnBrk="1" hangingPunct="1">
+              <a:lnSpc>
+                <a:spcPct val="100000"/>
+              </a:lnSpc>
+              <a:spcBef>
+                <a:spcPts val="0"/>
+              </a:spcBef>
+              <a:spcAft>
+                <a:spcPts val="0"/>
+              </a:spcAft>
+              <a:buClrTx/>
+              <a:buSzTx/>
+              <a:buFontTx/>
+              <a:buNone/>
+              <a:tabLst/>
+              <a:defRPr/>
+            </a:pPr>
+            <a:r>
+              <a:rPr lang="en-US" altLang="ko-KR" dirty="0"/>
+              <a:t>&lt;&lt;</a:t>
+            </a:r>
+            <a:r>
+              <a:rPr lang="ko-KR" altLang="en-US" dirty="0"/>
+              <a:t>설명</a:t>
+            </a:r>
+            <a:r>
+              <a:rPr lang="en-US" altLang="ko-KR" dirty="0"/>
+              <a:t>&gt;&gt;</a:t>
+            </a:r>
+          </a:p>
+          <a:p>
+            <a:endParaRPr lang="en-US" altLang="ko-KR" dirty="0"/>
+          </a:p>
         </p:txBody>
       </p:sp>
       <p:sp>
@@ -1851,6 +1888,50 @@
         <p:txBody>
           <a:bodyPr/>
           <a:lstStyle/>
+          <a:p>
+            <a:r>
+              <a:rPr lang="ko-KR" altLang="en-US" dirty="0"/>
+              <a:t>프로젝트 환경을 구성해 보겠습니다</a:t>
+            </a:r>
+            <a:r>
+              <a:rPr lang="en-US" altLang="ko-KR" dirty="0"/>
+              <a:t>.</a:t>
+            </a:r>
+          </a:p>
+          <a:p>
+            <a:endParaRPr lang="en-US" altLang="ko-KR" dirty="0"/>
+          </a:p>
+          <a:p>
+            <a:pPr marL="0" marR="0" lvl="0" indent="0" algn="l" defTabSz="685800" rtl="0" eaLnBrk="1" fontAlgn="auto" latinLnBrk="1" hangingPunct="1">
+              <a:lnSpc>
+                <a:spcPct val="100000"/>
+              </a:lnSpc>
+              <a:spcBef>
+                <a:spcPts val="0"/>
+              </a:spcBef>
+              <a:spcAft>
+                <a:spcPts val="0"/>
+              </a:spcAft>
+              <a:buClrTx/>
+              <a:buSzTx/>
+              <a:buFontTx/>
+              <a:buNone/>
+              <a:tabLst/>
+              <a:defRPr/>
+            </a:pPr>
+            <a:r>
+              <a:rPr lang="en-US" altLang="ko-KR" dirty="0"/>
+              <a:t>&lt;&lt;</a:t>
+            </a:r>
+            <a:r>
+              <a:rPr lang="ko-KR" altLang="en-US" dirty="0"/>
+              <a:t>설명</a:t>
+            </a:r>
+            <a:r>
+              <a:rPr lang="en-US" altLang="ko-KR"/>
+              <a:t>&gt;&gt;</a:t>
+            </a:r>
+          </a:p>
           <a:p>
             <a:endParaRPr lang="en-US" altLang="ko-KR" dirty="0"/>
           </a:p>

--- a/99.ppt/[Ch4-2. 동기 서비스 구현 (Spring MVC)].pptx
+++ b/99.ppt/[Ch4-2. 동기 서비스 구현 (Spring MVC)].pptx
@@ -215,7 +215,7 @@
           <a:p>
             <a:fld id="{9B770909-2C76-4DF9-BB76-4EE283593418}" type="datetimeFigureOut">
               <a:rPr lang="ko-KR" altLang="en-US" smtClean="0"/>
-              <a:t>2023-08-01</a:t>
+              <a:t>2023-08-12</a:t>
             </a:fld>
             <a:endParaRPr lang="ko-KR" altLang="en-US"/>
           </a:p>
@@ -2163,6 +2163,218 @@
     <p:extLst>
       <p:ext uri="{BB962C8B-B14F-4D97-AF65-F5344CB8AC3E}">
         <p14:creationId xmlns:p14="http://schemas.microsoft.com/office/powerpoint/2010/main" val="3842670641"/>
+      </p:ext>
+    </p:extLst>
+  </p:cSld>
+  <p:clrMapOvr>
+    <a:masterClrMapping/>
+  </p:clrMapOvr>
+</p:notes>
+</file>
+
+<file path=ppt/notesSlides/notesSlide7.xml><?xml version="1.0" encoding="utf-8"?>
+<p:notes xmlns:a="http://schemas.openxmlformats.org/drawingml/2006/main" xmlns:r="http://schemas.openxmlformats.org/officeDocument/2006/relationships" xmlns:p="http://schemas.openxmlformats.org/presentationml/2006/main">
+  <p:cSld>
+    <p:spTree>
+      <p:nvGrpSpPr>
+        <p:cNvPr id="1" name=""/>
+        <p:cNvGrpSpPr/>
+        <p:nvPr/>
+      </p:nvGrpSpPr>
+      <p:grpSpPr>
+        <a:xfrm>
+          <a:off x="0" y="0"/>
+          <a:ext cx="0" cy="0"/>
+          <a:chOff x="0" y="0"/>
+          <a:chExt cx="0" cy="0"/>
+        </a:xfrm>
+      </p:grpSpPr>
+      <p:sp>
+        <p:nvSpPr>
+          <p:cNvPr id="2" name="슬라이드 이미지 개체 틀 1"/>
+          <p:cNvSpPr>
+            <a:spLocks noGrp="1" noRot="1" noChangeAspect="1"/>
+          </p:cNvSpPr>
+          <p:nvPr>
+            <p:ph type="sldImg"/>
+          </p:nvPr>
+        </p:nvSpPr>
+        <p:spPr/>
+      </p:sp>
+      <p:sp>
+        <p:nvSpPr>
+          <p:cNvPr id="3" name="슬라이드 노트 개체 틀 2"/>
+          <p:cNvSpPr>
+            <a:spLocks noGrp="1"/>
+          </p:cNvSpPr>
+          <p:nvPr>
+            <p:ph type="body" idx="1"/>
+          </p:nvPr>
+        </p:nvSpPr>
+        <p:spPr/>
+        <p:txBody>
+          <a:bodyPr/>
+          <a:lstStyle/>
+          <a:p>
+            <a:r>
+              <a:rPr lang="ko-KR" altLang="en-US" dirty="0"/>
+              <a:t>다음으로 </a:t>
+            </a:r>
+            <a:r>
+              <a:rPr lang="en-US" altLang="ko-KR" dirty="0"/>
+              <a:t>CRUD </a:t>
+            </a:r>
+            <a:r>
+              <a:rPr lang="ko-KR" altLang="en-US" dirty="0"/>
+              <a:t>서비스를 구현해 보겠습니다</a:t>
+            </a:r>
+            <a:r>
+              <a:rPr lang="en-US" altLang="ko-KR" dirty="0"/>
+              <a:t>.</a:t>
+            </a:r>
+            <a:endParaRPr lang="ko-KR" altLang="en-US" dirty="0"/>
+          </a:p>
+        </p:txBody>
+      </p:sp>
+      <p:sp>
+        <p:nvSpPr>
+          <p:cNvPr id="4" name="슬라이드 번호 개체 틀 3"/>
+          <p:cNvSpPr>
+            <a:spLocks noGrp="1"/>
+          </p:cNvSpPr>
+          <p:nvPr>
+            <p:ph type="sldNum" sz="quarter" idx="5"/>
+          </p:nvPr>
+        </p:nvSpPr>
+        <p:spPr/>
+        <p:txBody>
+          <a:bodyPr/>
+          <a:lstStyle/>
+          <a:p>
+            <a:fld id="{4F243B46-72FF-4656-838A-691B9EB329E3}" type="slidenum">
+              <a:rPr lang="ko-KR" altLang="en-US" smtClean="0"/>
+              <a:t>7</a:t>
+            </a:fld>
+            <a:endParaRPr lang="ko-KR" altLang="en-US"/>
+          </a:p>
+        </p:txBody>
+      </p:sp>
+    </p:spTree>
+    <p:extLst>
+      <p:ext uri="{BB962C8B-B14F-4D97-AF65-F5344CB8AC3E}">
+        <p14:creationId xmlns:p14="http://schemas.microsoft.com/office/powerpoint/2010/main" val="1580396177"/>
+      </p:ext>
+    </p:extLst>
+  </p:cSld>
+  <p:clrMapOvr>
+    <a:masterClrMapping/>
+  </p:clrMapOvr>
+</p:notes>
+</file>
+
+<file path=ppt/notesSlides/notesSlide8.xml><?xml version="1.0" encoding="utf-8"?>
+<p:notes xmlns:a="http://schemas.openxmlformats.org/drawingml/2006/main" xmlns:r="http://schemas.openxmlformats.org/officeDocument/2006/relationships" xmlns:p="http://schemas.openxmlformats.org/presentationml/2006/main">
+  <p:cSld>
+    <p:spTree>
+      <p:nvGrpSpPr>
+        <p:cNvPr id="1" name=""/>
+        <p:cNvGrpSpPr/>
+        <p:nvPr/>
+      </p:nvGrpSpPr>
+      <p:grpSpPr>
+        <a:xfrm>
+          <a:off x="0" y="0"/>
+          <a:ext cx="0" cy="0"/>
+          <a:chOff x="0" y="0"/>
+          <a:chExt cx="0" cy="0"/>
+        </a:xfrm>
+      </p:grpSpPr>
+      <p:sp>
+        <p:nvSpPr>
+          <p:cNvPr id="2" name="슬라이드 이미지 개체 틀 1"/>
+          <p:cNvSpPr>
+            <a:spLocks noGrp="1" noRot="1" noChangeAspect="1"/>
+          </p:cNvSpPr>
+          <p:nvPr>
+            <p:ph type="sldImg"/>
+          </p:nvPr>
+        </p:nvSpPr>
+        <p:spPr/>
+      </p:sp>
+      <p:sp>
+        <p:nvSpPr>
+          <p:cNvPr id="3" name="슬라이드 노트 개체 틀 2"/>
+          <p:cNvSpPr>
+            <a:spLocks noGrp="1"/>
+          </p:cNvSpPr>
+          <p:nvPr>
+            <p:ph type="body" idx="1"/>
+          </p:nvPr>
+        </p:nvSpPr>
+        <p:spPr/>
+        <p:txBody>
+          <a:bodyPr/>
+          <a:lstStyle/>
+          <a:p>
+            <a:pPr marL="0" marR="0" lvl="0" indent="0" algn="l" defTabSz="685800" rtl="0" eaLnBrk="1" fontAlgn="auto" latinLnBrk="1" hangingPunct="1">
+              <a:lnSpc>
+                <a:spcPct val="100000"/>
+              </a:lnSpc>
+              <a:spcBef>
+                <a:spcPts val="0"/>
+              </a:spcBef>
+              <a:spcAft>
+                <a:spcPts val="0"/>
+              </a:spcAft>
+              <a:buClrTx/>
+              <a:buSzTx/>
+              <a:buFontTx/>
+              <a:buNone/>
+              <a:tabLst/>
+              <a:defRPr/>
+            </a:pPr>
+            <a:r>
+              <a:rPr lang="ko-KR" altLang="en-US" dirty="0"/>
+              <a:t>다음으로 테스트 코드를 구현해 보겠습니다</a:t>
+            </a:r>
+            <a:r>
+              <a:rPr lang="en-US" altLang="ko-KR" dirty="0"/>
+              <a:t>.</a:t>
+            </a:r>
+            <a:endParaRPr lang="ko-KR" altLang="en-US" dirty="0"/>
+          </a:p>
+          <a:p>
+            <a:endParaRPr lang="ko-KR" altLang="en-US" dirty="0"/>
+          </a:p>
+        </p:txBody>
+      </p:sp>
+      <p:sp>
+        <p:nvSpPr>
+          <p:cNvPr id="4" name="슬라이드 번호 개체 틀 3"/>
+          <p:cNvSpPr>
+            <a:spLocks noGrp="1"/>
+          </p:cNvSpPr>
+          <p:nvPr>
+            <p:ph type="sldNum" sz="quarter" idx="5"/>
+          </p:nvPr>
+        </p:nvSpPr>
+        <p:spPr/>
+        <p:txBody>
+          <a:bodyPr/>
+          <a:lstStyle/>
+          <a:p>
+            <a:fld id="{4F243B46-72FF-4656-838A-691B9EB329E3}" type="slidenum">
+              <a:rPr lang="ko-KR" altLang="en-US" smtClean="0"/>
+              <a:t>8</a:t>
+            </a:fld>
+            <a:endParaRPr lang="ko-KR" altLang="en-US"/>
+          </a:p>
+        </p:txBody>
+      </p:sp>
+    </p:spTree>
+    <p:extLst>
+      <p:ext uri="{BB962C8B-B14F-4D97-AF65-F5344CB8AC3E}">
+        <p14:creationId xmlns:p14="http://schemas.microsoft.com/office/powerpoint/2010/main" val="2973542414"/>
       </p:ext>
     </p:extLst>
   </p:cSld>
